--- a/Newton.Json 사용법.pptx
+++ b/Newton.Json 사용법.pptx
@@ -3351,12 +3351,52 @@
           </a:lstStyle>
           <a:p>
             <a:r>
+              <a:rPr lang="ko-KR" altLang="en-US" dirty="0" smtClean="0">
+                <a:latin typeface="함초롬돋움" panose="020B0604000101010101" pitchFamily="50" charset="-127"/>
+                <a:ea typeface="함초롬돋움" panose="020B0604000101010101" pitchFamily="50" charset="-127"/>
+                <a:cs typeface="함초롬돋움" panose="020B0604000101010101" pitchFamily="50" charset="-127"/>
+              </a:rPr>
+              <a:t>특정 </a:t>
+            </a:r>
+            <a:r>
               <a:rPr lang="en-US" altLang="ko-KR" dirty="0" smtClean="0">
                 <a:latin typeface="함초롬돋움" panose="020B0604000101010101" pitchFamily="50" charset="-127"/>
                 <a:ea typeface="함초롬돋움" panose="020B0604000101010101" pitchFamily="50" charset="-127"/>
                 <a:cs typeface="함초롬돋움" panose="020B0604000101010101" pitchFamily="50" charset="-127"/>
               </a:rPr>
-              <a:t>Property Skip </a:t>
+              <a:t>Property</a:t>
+            </a:r>
+            <a:r>
+              <a:rPr lang="ko-KR" altLang="en-US" dirty="0" smtClean="0">
+                <a:latin typeface="함초롬돋움" panose="020B0604000101010101" pitchFamily="50" charset="-127"/>
+                <a:ea typeface="함초롬돋움" panose="020B0604000101010101" pitchFamily="50" charset="-127"/>
+                <a:cs typeface="함초롬돋움" panose="020B0604000101010101" pitchFamily="50" charset="-127"/>
+              </a:rPr>
+              <a:t>를 </a:t>
+            </a:r>
+            <a:r>
+              <a:rPr lang="en-US" altLang="ko-KR" dirty="0" smtClean="0">
+                <a:latin typeface="함초롬돋움" panose="020B0604000101010101" pitchFamily="50" charset="-127"/>
+                <a:ea typeface="함초롬돋움" panose="020B0604000101010101" pitchFamily="50" charset="-127"/>
+                <a:cs typeface="함초롬돋움" panose="020B0604000101010101" pitchFamily="50" charset="-127"/>
+              </a:rPr>
+              <a:t>JSON</a:t>
+            </a:r>
+            <a:r>
+              <a:rPr lang="ko-KR" altLang="en-US" dirty="0" smtClean="0">
+                <a:latin typeface="함초롬돋움" panose="020B0604000101010101" pitchFamily="50" charset="-127"/>
+                <a:ea typeface="함초롬돋움" panose="020B0604000101010101" pitchFamily="50" charset="-127"/>
+                <a:cs typeface="함초롬돋움" panose="020B0604000101010101" pitchFamily="50" charset="-127"/>
+              </a:rPr>
+              <a:t>에서 제외</a:t>
+            </a:r>
+            <a:r>
+              <a:rPr lang="en-US" altLang="ko-KR" dirty="0" smtClean="0">
+                <a:latin typeface="함초롬돋움" panose="020B0604000101010101" pitchFamily="50" charset="-127"/>
+                <a:ea typeface="함초롬돋움" panose="020B0604000101010101" pitchFamily="50" charset="-127"/>
+                <a:cs typeface="함초롬돋움" panose="020B0604000101010101" pitchFamily="50" charset="-127"/>
+              </a:rPr>
+              <a:t> </a:t>
             </a:r>
             <a:r>
               <a:rPr lang="ko-KR" altLang="en-US" dirty="0" smtClean="0">
@@ -3477,15 +3517,55 @@
           </a:lstStyle>
           <a:p>
             <a:r>
-              <a:rPr lang="en-US" altLang="ko-KR" dirty="0" smtClean="0">
-                <a:latin typeface="함초롬돋움" panose="020B0604000101010101" pitchFamily="50" charset="-127"/>
-                <a:ea typeface="함초롬돋움" panose="020B0604000101010101" pitchFamily="50" charset="-127"/>
-                <a:cs typeface="함초롬돋움" panose="020B0604000101010101" pitchFamily="50" charset="-127"/>
-              </a:rPr>
-              <a:t>Property Skip </a:t>
-            </a:r>
-            <a:r>
-              <a:rPr lang="ko-KR" altLang="en-US" dirty="0" smtClean="0">
+              <a:rPr lang="ko-KR" altLang="en-US" dirty="0">
+                <a:latin typeface="함초롬돋움" panose="020B0604000101010101" pitchFamily="50" charset="-127"/>
+                <a:ea typeface="함초롬돋움" panose="020B0604000101010101" pitchFamily="50" charset="-127"/>
+                <a:cs typeface="함초롬돋움" panose="020B0604000101010101" pitchFamily="50" charset="-127"/>
+              </a:rPr>
+              <a:t>특정 </a:t>
+            </a:r>
+            <a:r>
+              <a:rPr lang="en-US" altLang="ko-KR" dirty="0">
+                <a:latin typeface="함초롬돋움" panose="020B0604000101010101" pitchFamily="50" charset="-127"/>
+                <a:ea typeface="함초롬돋움" panose="020B0604000101010101" pitchFamily="50" charset="-127"/>
+                <a:cs typeface="함초롬돋움" panose="020B0604000101010101" pitchFamily="50" charset="-127"/>
+              </a:rPr>
+              <a:t>Property</a:t>
+            </a:r>
+            <a:r>
+              <a:rPr lang="ko-KR" altLang="en-US" dirty="0">
+                <a:latin typeface="함초롬돋움" panose="020B0604000101010101" pitchFamily="50" charset="-127"/>
+                <a:ea typeface="함초롬돋움" panose="020B0604000101010101" pitchFamily="50" charset="-127"/>
+                <a:cs typeface="함초롬돋움" panose="020B0604000101010101" pitchFamily="50" charset="-127"/>
+              </a:rPr>
+              <a:t>를 </a:t>
+            </a:r>
+            <a:r>
+              <a:rPr lang="en-US" altLang="ko-KR" dirty="0">
+                <a:latin typeface="함초롬돋움" panose="020B0604000101010101" pitchFamily="50" charset="-127"/>
+                <a:ea typeface="함초롬돋움" panose="020B0604000101010101" pitchFamily="50" charset="-127"/>
+                <a:cs typeface="함초롬돋움" panose="020B0604000101010101" pitchFamily="50" charset="-127"/>
+              </a:rPr>
+              <a:t>JSON</a:t>
+            </a:r>
+            <a:r>
+              <a:rPr lang="ko-KR" altLang="en-US" dirty="0">
+                <a:latin typeface="함초롬돋움" panose="020B0604000101010101" pitchFamily="50" charset="-127"/>
+                <a:ea typeface="함초롬돋움" panose="020B0604000101010101" pitchFamily="50" charset="-127"/>
+                <a:cs typeface="함초롬돋움" panose="020B0604000101010101" pitchFamily="50" charset="-127"/>
+              </a:rPr>
+              <a:t>에서 제외</a:t>
+            </a:r>
+            <a:r>
+              <a:rPr lang="en-US" altLang="ko-KR" dirty="0">
+                <a:latin typeface="함초롬돋움" panose="020B0604000101010101" pitchFamily="50" charset="-127"/>
+                <a:ea typeface="함초롬돋움" panose="020B0604000101010101" pitchFamily="50" charset="-127"/>
+                <a:cs typeface="함초롬돋움" panose="020B0604000101010101" pitchFamily="50" charset="-127"/>
+              </a:rPr>
+              <a:t> </a:t>
+            </a:r>
+            <a:r>
+              <a:rPr lang="ko-KR" altLang="en-US" dirty="0">
                 <a:latin typeface="함초롬돋움" panose="020B0604000101010101" pitchFamily="50" charset="-127"/>
                 <a:ea typeface="함초롬돋움" panose="020B0604000101010101" pitchFamily="50" charset="-127"/>
                 <a:cs typeface="함초롬돋움" panose="020B0604000101010101" pitchFamily="50" charset="-127"/>
@@ -3887,20 +3967,20 @@
           </a:lstStyle>
           <a:p>
             <a:r>
+              <a:rPr lang="en-US" altLang="ko-KR" dirty="0">
+                <a:latin typeface="함초롬돋움" panose="020B0604000101010101" pitchFamily="50" charset="-127"/>
+                <a:ea typeface="함초롬돋움" panose="020B0604000101010101" pitchFamily="50" charset="-127"/>
+                <a:cs typeface="함초롬돋움" panose="020B0604000101010101" pitchFamily="50" charset="-127"/>
+              </a:rPr>
+              <a:t>Public </a:t>
+            </a:r>
+            <a:r>
               <a:rPr lang="ko-KR" altLang="en-US" dirty="0" smtClean="0">
                 <a:latin typeface="함초롬돋움" panose="020B0604000101010101" pitchFamily="50" charset="-127"/>
                 <a:ea typeface="함초롬돋움" panose="020B0604000101010101" pitchFamily="50" charset="-127"/>
                 <a:cs typeface="함초롬돋움" panose="020B0604000101010101" pitchFamily="50" charset="-127"/>
               </a:rPr>
-              <a:t>생성자가 </a:t>
-            </a:r>
-            <a:r>
-              <a:rPr lang="en-US" altLang="ko-KR" dirty="0" smtClean="0">
-                <a:latin typeface="함초롬돋움" panose="020B0604000101010101" pitchFamily="50" charset="-127"/>
-                <a:ea typeface="함초롬돋움" panose="020B0604000101010101" pitchFamily="50" charset="-127"/>
-                <a:cs typeface="함초롬돋움" panose="020B0604000101010101" pitchFamily="50" charset="-127"/>
-              </a:rPr>
-              <a:t>private</a:t>
+              <a:t>기본 생성자가 없는 </a:t>
             </a:r>
             <a:r>
               <a:rPr lang="ko-KR" altLang="en-US" dirty="0" smtClean="0">
@@ -3908,7 +3988,7 @@
                 <a:ea typeface="함초롬돋움" panose="020B0604000101010101" pitchFamily="50" charset="-127"/>
                 <a:cs typeface="함초롬돋움" panose="020B0604000101010101" pitchFamily="50" charset="-127"/>
               </a:rPr>
-              <a:t>인 경우 </a:t>
+              <a:t>경우 </a:t>
             </a:r>
             <a:endParaRPr lang="ko-KR" altLang="en-US" dirty="0">
               <a:latin typeface="함초롬돋움" panose="020B0604000101010101" pitchFamily="50" charset="-127"/>
@@ -4021,28 +4101,28 @@
           </a:lstStyle>
           <a:p>
             <a:r>
+              <a:rPr lang="en-US" altLang="ko-KR" dirty="0" smtClean="0">
+                <a:latin typeface="함초롬돋움" panose="020B0604000101010101" pitchFamily="50" charset="-127"/>
+                <a:ea typeface="함초롬돋움" panose="020B0604000101010101" pitchFamily="50" charset="-127"/>
+                <a:cs typeface="함초롬돋움" panose="020B0604000101010101" pitchFamily="50" charset="-127"/>
+              </a:rPr>
+              <a:t>Public </a:t>
+            </a:r>
+            <a:r>
               <a:rPr lang="ko-KR" altLang="en-US" dirty="0" smtClean="0">
                 <a:latin typeface="함초롬돋움" panose="020B0604000101010101" pitchFamily="50" charset="-127"/>
                 <a:ea typeface="함초롬돋움" panose="020B0604000101010101" pitchFamily="50" charset="-127"/>
                 <a:cs typeface="함초롬돋움" panose="020B0604000101010101" pitchFamily="50" charset="-127"/>
               </a:rPr>
-              <a:t>생성자가 </a:t>
-            </a:r>
-            <a:r>
-              <a:rPr lang="en-US" altLang="ko-KR" dirty="0" smtClean="0">
-                <a:latin typeface="함초롬돋움" panose="020B0604000101010101" pitchFamily="50" charset="-127"/>
-                <a:ea typeface="함초롬돋움" panose="020B0604000101010101" pitchFamily="50" charset="-127"/>
-                <a:cs typeface="함초롬돋움" panose="020B0604000101010101" pitchFamily="50" charset="-127"/>
-              </a:rPr>
-              <a:t>private</a:t>
-            </a:r>
-            <a:r>
-              <a:rPr lang="ko-KR" altLang="en-US" dirty="0" smtClean="0">
-                <a:latin typeface="함초롬돋움" panose="020B0604000101010101" pitchFamily="50" charset="-127"/>
-                <a:ea typeface="함초롬돋움" panose="020B0604000101010101" pitchFamily="50" charset="-127"/>
-                <a:cs typeface="함초롬돋움" panose="020B0604000101010101" pitchFamily="50" charset="-127"/>
-              </a:rPr>
-              <a:t>인 경우 </a:t>
+              <a:t>기본 </a:t>
+            </a:r>
+            <a:r>
+              <a:rPr lang="ko-KR" altLang="en-US" dirty="0">
+                <a:latin typeface="함초롬돋움" panose="020B0604000101010101" pitchFamily="50" charset="-127"/>
+                <a:ea typeface="함초롬돋움" panose="020B0604000101010101" pitchFamily="50" charset="-127"/>
+                <a:cs typeface="함초롬돋움" panose="020B0604000101010101" pitchFamily="50" charset="-127"/>
+              </a:rPr>
+              <a:t>생성자가 없는 경우 </a:t>
             </a:r>
             <a:endParaRPr lang="ko-KR" altLang="en-US" dirty="0">
               <a:latin typeface="함초롬돋움" panose="020B0604000101010101" pitchFamily="50" charset="-127"/>
@@ -4574,7 +4654,49 @@
                 <a:latin typeface="+mn-ea"/>
                 <a:cs typeface="함초롬돋움" panose="020B0604000101010101" pitchFamily="50" charset="-127"/>
               </a:rPr>
-              <a:t>를 이용하여 변환</a:t>
+              <a:t>나 </a:t>
+            </a:r>
+            <a:r>
+              <a:rPr lang="en-US" altLang="ko-KR" dirty="0" smtClean="0">
+                <a:latin typeface="+mn-ea"/>
+                <a:cs typeface="함초롬돋움" panose="020B0604000101010101" pitchFamily="50" charset="-127"/>
+              </a:rPr>
+              <a:t>JSON </a:t>
+            </a:r>
+            <a:r>
+              <a:rPr lang="ko-KR" altLang="en-US" dirty="0" smtClean="0">
+                <a:latin typeface="+mn-ea"/>
+                <a:cs typeface="함초롬돋움" panose="020B0604000101010101" pitchFamily="50" charset="-127"/>
+              </a:rPr>
+              <a:t>데이터의 </a:t>
+            </a:r>
+            <a:r>
+              <a:rPr lang="en-US" altLang="ko-KR" dirty="0" smtClean="0">
+                <a:latin typeface="+mn-ea"/>
+                <a:cs typeface="함초롬돋움" panose="020B0604000101010101" pitchFamily="50" charset="-127"/>
+              </a:rPr>
+              <a:t>key</a:t>
+            </a:r>
+            <a:r>
+              <a:rPr lang="ko-KR" altLang="en-US" dirty="0" smtClean="0">
+                <a:latin typeface="+mn-ea"/>
+                <a:cs typeface="함초롬돋움" panose="020B0604000101010101" pitchFamily="50" charset="-127"/>
+              </a:rPr>
+              <a:t>를</a:t>
+            </a:r>
+            <a:r>
+              <a:rPr lang="ko-KR" altLang="en-US" dirty="0" smtClean="0">
+                <a:latin typeface="+mn-ea"/>
+                <a:cs typeface="함초롬돋움" panose="020B0604000101010101" pitchFamily="50" charset="-127"/>
+              </a:rPr>
+              <a:t> </a:t>
+            </a:r>
+            <a:r>
+              <a:rPr lang="ko-KR" altLang="en-US" dirty="0" smtClean="0">
+                <a:latin typeface="+mn-ea"/>
+                <a:cs typeface="함초롬돋움" panose="020B0604000101010101" pitchFamily="50" charset="-127"/>
+              </a:rPr>
+              <a:t>이용하여 변환</a:t>
             </a:r>
             <a:endParaRPr lang="en-US" altLang="ko-KR" dirty="0">
               <a:latin typeface="+mn-ea"/>
@@ -5183,8 +5305,32 @@
         </p:blipFill>
         <p:spPr>
           <a:xfrm>
-            <a:off x="2781300" y="2429070"/>
+            <a:off x="1578142" y="2429070"/>
             <a:ext cx="6629400" cy="4029075"/>
+          </a:xfrm>
+          <a:prstGeom prst="rect">
+            <a:avLst/>
+          </a:prstGeom>
+        </p:spPr>
+      </p:pic>
+      <p:pic>
+        <p:nvPicPr>
+          <p:cNvPr id="3" name="그림 2"/>
+          <p:cNvPicPr>
+            <a:picLocks noChangeAspect="1"/>
+          </p:cNvPicPr>
+          <p:nvPr/>
+        </p:nvPicPr>
+        <p:blipFill>
+          <a:blip r:embed="rId3"/>
+          <a:stretch>
+            <a:fillRect/>
+          </a:stretch>
+        </p:blipFill>
+        <p:spPr>
+          <a:xfrm>
+            <a:off x="7623258" y="2262187"/>
+            <a:ext cx="3971925" cy="2333625"/>
           </a:xfrm>
           <a:prstGeom prst="rect">
             <a:avLst/>
@@ -5401,15 +5547,7 @@
                 <a:ea typeface="함초롬돋움" panose="020B0604000101010101" pitchFamily="50" charset="-127"/>
                 <a:cs typeface="함초롬돋움" panose="020B0604000101010101" pitchFamily="50" charset="-127"/>
               </a:rPr>
-              <a:t>더 </a:t>
-            </a:r>
-            <a:r>
-              <a:rPr lang="ko-KR" altLang="en-US" dirty="0" smtClean="0">
-                <a:latin typeface="함초롬돋움" panose="020B0604000101010101" pitchFamily="50" charset="-127"/>
-                <a:ea typeface="함초롬돋움" panose="020B0604000101010101" pitchFamily="50" charset="-127"/>
-                <a:cs typeface="함초롬돋움" panose="020B0604000101010101" pitchFamily="50" charset="-127"/>
-              </a:rPr>
-              <a:t>많은 기능을 알고 싶으면</a:t>
+              <a:t>더 많은 기능을 알고 싶으면</a:t>
             </a:r>
             <a:r>
               <a:rPr lang="en-US" altLang="ko-KR" dirty="0" smtClean="0">
@@ -5491,119 +5629,6 @@
             </a:endParaRPr>
           </a:p>
           <a:p>
-            <a:endParaRPr lang="en-US" altLang="ko-KR" dirty="0">
-              <a:latin typeface="+mn-ea"/>
-              <a:cs typeface="함초롬돋움" panose="020B0604000101010101" pitchFamily="50" charset="-127"/>
-            </a:endParaRPr>
-          </a:p>
-          <a:p>
-            <a:endParaRPr lang="en-US" altLang="ko-KR" dirty="0" smtClean="0">
-              <a:latin typeface="+mn-ea"/>
-              <a:cs typeface="함초롬돋움" panose="020B0604000101010101" pitchFamily="50" charset="-127"/>
-            </a:endParaRPr>
-          </a:p>
-          <a:p>
-            <a:r>
-              <a:rPr lang="en-US" altLang="ko-KR" dirty="0" smtClean="0">
-                <a:latin typeface="+mn-ea"/>
-                <a:cs typeface="함초롬돋움" panose="020B0604000101010101" pitchFamily="50" charset="-127"/>
-              </a:rPr>
-              <a:t>JSON</a:t>
-            </a:r>
-            <a:r>
-              <a:rPr lang="ko-KR" altLang="en-US" dirty="0" smtClean="0">
-                <a:latin typeface="+mn-ea"/>
-                <a:cs typeface="함초롬돋움" panose="020B0604000101010101" pitchFamily="50" charset="-127"/>
-              </a:rPr>
-              <a:t>을 객체로 만들거나 객체를 </a:t>
-            </a:r>
-            <a:r>
-              <a:rPr lang="en-US" altLang="ko-KR" dirty="0" smtClean="0">
-                <a:latin typeface="+mn-ea"/>
-                <a:cs typeface="함초롬돋움" panose="020B0604000101010101" pitchFamily="50" charset="-127"/>
-              </a:rPr>
-              <a:t>JSON</a:t>
-            </a:r>
-            <a:r>
-              <a:rPr lang="ko-KR" altLang="en-US" dirty="0" smtClean="0">
-                <a:latin typeface="+mn-ea"/>
-                <a:cs typeface="함초롬돋움" panose="020B0604000101010101" pitchFamily="50" charset="-127"/>
-              </a:rPr>
-              <a:t>으로 변화 할 수 있음</a:t>
-            </a:r>
-            <a:endParaRPr lang="en-US" altLang="ko-KR" dirty="0" smtClean="0">
-              <a:latin typeface="+mn-ea"/>
-              <a:cs typeface="함초롬돋움" panose="020B0604000101010101" pitchFamily="50" charset="-127"/>
-            </a:endParaRPr>
-          </a:p>
-          <a:p>
-            <a:endParaRPr lang="en-US" altLang="ko-KR" dirty="0">
-              <a:latin typeface="+mn-ea"/>
-              <a:cs typeface="함초롬돋움" panose="020B0604000101010101" pitchFamily="50" charset="-127"/>
-            </a:endParaRPr>
-          </a:p>
-          <a:p>
-            <a:r>
-              <a:rPr lang="en-US" altLang="ko-KR" dirty="0" smtClean="0">
-                <a:latin typeface="+mn-ea"/>
-                <a:cs typeface="함초롬돋움" panose="020B0604000101010101" pitchFamily="50" charset="-127"/>
-              </a:rPr>
-              <a:t>XML</a:t>
-            </a:r>
-            <a:r>
-              <a:rPr lang="ko-KR" altLang="en-US" dirty="0" smtClean="0">
-                <a:latin typeface="+mn-ea"/>
-                <a:cs typeface="함초롬돋움" panose="020B0604000101010101" pitchFamily="50" charset="-127"/>
-              </a:rPr>
-              <a:t>과 </a:t>
-            </a:r>
-            <a:r>
-              <a:rPr lang="en-US" altLang="ko-KR" dirty="0" smtClean="0">
-                <a:latin typeface="+mn-ea"/>
-                <a:cs typeface="함초롬돋움" panose="020B0604000101010101" pitchFamily="50" charset="-127"/>
-              </a:rPr>
-              <a:t>JSON</a:t>
-            </a:r>
-            <a:r>
-              <a:rPr lang="ko-KR" altLang="en-US" dirty="0" smtClean="0">
-                <a:latin typeface="+mn-ea"/>
-                <a:cs typeface="함초롬돋움" panose="020B0604000101010101" pitchFamily="50" charset="-127"/>
-              </a:rPr>
-              <a:t>을 변환 할 수 있음</a:t>
-            </a:r>
-            <a:endParaRPr lang="en-US" altLang="ko-KR" dirty="0" smtClean="0">
-              <a:latin typeface="+mn-ea"/>
-              <a:cs typeface="함초롬돋움" panose="020B0604000101010101" pitchFamily="50" charset="-127"/>
-            </a:endParaRPr>
-          </a:p>
-          <a:p>
-            <a:endParaRPr lang="en-US" altLang="ko-KR" dirty="0">
-              <a:latin typeface="+mn-ea"/>
-              <a:cs typeface="함초롬돋움" panose="020B0604000101010101" pitchFamily="50" charset="-127"/>
-            </a:endParaRPr>
-          </a:p>
-          <a:p>
-            <a:r>
-              <a:rPr lang="ko-KR" altLang="en-US" dirty="0" smtClean="0">
-                <a:latin typeface="+mn-ea"/>
-                <a:cs typeface="함초롬돋움" panose="020B0604000101010101" pitchFamily="50" charset="-127"/>
-              </a:rPr>
-              <a:t>객체의 </a:t>
-            </a:r>
-            <a:r>
-              <a:rPr lang="en-US" altLang="ko-KR" dirty="0" smtClean="0">
-                <a:latin typeface="+mn-ea"/>
-                <a:cs typeface="함초롬돋움" panose="020B0604000101010101" pitchFamily="50" charset="-127"/>
-              </a:rPr>
-              <a:t>Property</a:t>
-            </a:r>
-            <a:r>
-              <a:rPr lang="ko-KR" altLang="en-US" dirty="0" smtClean="0">
-                <a:latin typeface="+mn-ea"/>
-                <a:cs typeface="함초롬돋움" panose="020B0604000101010101" pitchFamily="50" charset="-127"/>
-              </a:rPr>
-              <a:t>를 이용하여 변환</a:t>
-            </a:r>
             <a:endParaRPr lang="en-US" altLang="ko-KR" dirty="0">
               <a:latin typeface="+mn-ea"/>
               <a:cs typeface="함초롬돋움" panose="020B0604000101010101" pitchFamily="50" charset="-127"/>
@@ -6010,14 +6035,7 @@
                 <a:latin typeface="+mn-ea"/>
                 <a:cs typeface="함초롬돋움" panose="020B0604000101010101" pitchFamily="50" charset="-127"/>
               </a:rPr>
-              <a:t>(</a:t>
-            </a:r>
-            <a:r>
-              <a:rPr lang="en-US" altLang="ko-KR" dirty="0" smtClean="0">
-                <a:latin typeface="+mn-ea"/>
-                <a:cs typeface="함초롬돋움" panose="020B0604000101010101" pitchFamily="50" charset="-127"/>
-              </a:rPr>
-              <a:t>Serialize)</a:t>
+              <a:t>(Serialize)</a:t>
             </a:r>
           </a:p>
           <a:p>
@@ -6443,7 +6461,15 @@
                 <a:ea typeface="함초롬돋움" panose="020B0604000101010101" pitchFamily="50" charset="-127"/>
                 <a:cs typeface="함초롬돋움" panose="020B0604000101010101" pitchFamily="50" charset="-127"/>
               </a:rPr>
-              <a:t>Collection -&gt; JSON </a:t>
+              <a:t>Collection -&gt; </a:t>
+            </a:r>
+            <a:r>
+              <a:rPr lang="en-US" altLang="ko-KR" dirty="0" smtClean="0">
+                <a:latin typeface="함초롬돋움" panose="020B0604000101010101" pitchFamily="50" charset="-127"/>
+                <a:ea typeface="함초롬돋움" panose="020B0604000101010101" pitchFamily="50" charset="-127"/>
+                <a:cs typeface="함초롬돋움" panose="020B0604000101010101" pitchFamily="50" charset="-127"/>
+              </a:rPr>
+              <a:t>JSON Array </a:t>
             </a:r>
             <a:r>
               <a:rPr lang="ko-KR" altLang="en-US" dirty="0" smtClean="0">
@@ -6569,7 +6595,15 @@
                 <a:ea typeface="함초롬돋움" panose="020B0604000101010101" pitchFamily="50" charset="-127"/>
                 <a:cs typeface="함초롬돋움" panose="020B0604000101010101" pitchFamily="50" charset="-127"/>
               </a:rPr>
-              <a:t>JSON -&gt; Collection </a:t>
+              <a:t>JSON Array </a:t>
+            </a:r>
+            <a:r>
+              <a:rPr lang="en-US" altLang="ko-KR" dirty="0" smtClean="0">
+                <a:latin typeface="함초롬돋움" panose="020B0604000101010101" pitchFamily="50" charset="-127"/>
+                <a:ea typeface="함초롬돋움" panose="020B0604000101010101" pitchFamily="50" charset="-127"/>
+                <a:cs typeface="함초롬돋움" panose="020B0604000101010101" pitchFamily="50" charset="-127"/>
+              </a:rPr>
+              <a:t>-&gt; Collection </a:t>
             </a:r>
             <a:r>
               <a:rPr lang="ko-KR" altLang="en-US" dirty="0" smtClean="0">

--- a/Newton.Json 사용법.pptx
+++ b/Newton.Json 사용법.pptx
@@ -18,18 +18,22 @@
     <p:sldId id="423" r:id="rId12"/>
     <p:sldId id="424" r:id="rId13"/>
     <p:sldId id="425" r:id="rId14"/>
-    <p:sldId id="426" r:id="rId15"/>
-    <p:sldId id="427" r:id="rId16"/>
-    <p:sldId id="429" r:id="rId17"/>
-    <p:sldId id="430" r:id="rId18"/>
-    <p:sldId id="432" r:id="rId19"/>
-    <p:sldId id="431" r:id="rId20"/>
-    <p:sldId id="433" r:id="rId21"/>
-    <p:sldId id="434" r:id="rId22"/>
-    <p:sldId id="435" r:id="rId23"/>
-    <p:sldId id="436" r:id="rId24"/>
-    <p:sldId id="438" r:id="rId25"/>
-    <p:sldId id="439" r:id="rId26"/>
+    <p:sldId id="442" r:id="rId15"/>
+    <p:sldId id="440" r:id="rId16"/>
+    <p:sldId id="441" r:id="rId17"/>
+    <p:sldId id="443" r:id="rId18"/>
+    <p:sldId id="426" r:id="rId19"/>
+    <p:sldId id="427" r:id="rId20"/>
+    <p:sldId id="429" r:id="rId21"/>
+    <p:sldId id="430" r:id="rId22"/>
+    <p:sldId id="432" r:id="rId23"/>
+    <p:sldId id="431" r:id="rId24"/>
+    <p:sldId id="433" r:id="rId25"/>
+    <p:sldId id="434" r:id="rId26"/>
+    <p:sldId id="435" r:id="rId27"/>
+    <p:sldId id="436" r:id="rId28"/>
+    <p:sldId id="438" r:id="rId29"/>
+    <p:sldId id="439" r:id="rId30"/>
   </p:sldIdLst>
   <p:sldSz cx="12192000" cy="6858000"/>
   <p:notesSz cx="6858000" cy="9144000"/>
@@ -3572,11 +3576,6 @@
               </a:rPr>
               <a:t>하기</a:t>
             </a:r>
-            <a:endParaRPr lang="ko-KR" altLang="en-US" dirty="0">
-              <a:latin typeface="함초롬돋움" panose="020B0604000101010101" pitchFamily="50" charset="-127"/>
-              <a:ea typeface="함초롬돋움" panose="020B0604000101010101" pitchFamily="50" charset="-127"/>
-              <a:cs typeface="함초롬돋움" panose="020B0604000101010101" pitchFamily="50" charset="-127"/>
-            </a:endParaRPr>
           </a:p>
         </p:txBody>
       </p:sp>
@@ -3683,36 +3682,12 @@
           </a:lstStyle>
           <a:p>
             <a:r>
-              <a:rPr lang="en-US" altLang="ko-KR" dirty="0" smtClean="0">
-                <a:latin typeface="함초롬돋움" panose="020B0604000101010101" pitchFamily="50" charset="-127"/>
-                <a:ea typeface="함초롬돋움" panose="020B0604000101010101" pitchFamily="50" charset="-127"/>
-                <a:cs typeface="함초롬돋움" panose="020B0604000101010101" pitchFamily="50" charset="-127"/>
-              </a:rPr>
-              <a:t>Null </a:t>
-            </a:r>
-            <a:r>
-              <a:rPr lang="ko-KR" altLang="en-US" dirty="0" smtClean="0">
-                <a:latin typeface="함초롬돋움" panose="020B0604000101010101" pitchFamily="50" charset="-127"/>
-                <a:ea typeface="함초롬돋움" panose="020B0604000101010101" pitchFamily="50" charset="-127"/>
-                <a:cs typeface="함초롬돋움" panose="020B0604000101010101" pitchFamily="50" charset="-127"/>
-              </a:rPr>
-              <a:t>값은 제외된 </a:t>
-            </a:r>
-            <a:r>
-              <a:rPr lang="en-US" altLang="ko-KR" dirty="0" smtClean="0">
-                <a:latin typeface="함초롬돋움" panose="020B0604000101010101" pitchFamily="50" charset="-127"/>
-                <a:ea typeface="함초롬돋움" panose="020B0604000101010101" pitchFamily="50" charset="-127"/>
-                <a:cs typeface="함초롬돋움" panose="020B0604000101010101" pitchFamily="50" charset="-127"/>
-              </a:rPr>
-              <a:t>JSON </a:t>
-            </a:r>
-            <a:r>
-              <a:rPr lang="ko-KR" altLang="en-US" dirty="0" smtClean="0">
-                <a:latin typeface="함초롬돋움" panose="020B0604000101010101" pitchFamily="50" charset="-127"/>
-                <a:ea typeface="함초롬돋움" panose="020B0604000101010101" pitchFamily="50" charset="-127"/>
-                <a:cs typeface="함초롬돋움" panose="020B0604000101010101" pitchFamily="50" charset="-127"/>
-              </a:rPr>
-              <a:t>데이터로 변환</a:t>
+              <a:rPr lang="en-US" altLang="ko-KR" dirty="0" err="1" smtClean="0">
+                <a:latin typeface="함초롬돋움" panose="020B0604000101010101" pitchFamily="50" charset="-127"/>
+                <a:ea typeface="함초롬돋움" panose="020B0604000101010101" pitchFamily="50" charset="-127"/>
+                <a:cs typeface="함초롬돋움" panose="020B0604000101010101" pitchFamily="50" charset="-127"/>
+              </a:rPr>
+              <a:t>ReferenceLoopHandling</a:t>
             </a:r>
             <a:endParaRPr lang="ko-KR" altLang="en-US" dirty="0">
               <a:latin typeface="함초롬돋움" panose="020B0604000101010101" pitchFamily="50" charset="-127"/>
@@ -3738,8 +3713,32 @@
         </p:blipFill>
         <p:spPr>
           <a:xfrm>
-            <a:off x="2198894" y="2765686"/>
-            <a:ext cx="7794212" cy="3245370"/>
+            <a:off x="2343150" y="2303218"/>
+            <a:ext cx="3362325" cy="952500"/>
+          </a:xfrm>
+          <a:prstGeom prst="rect">
+            <a:avLst/>
+          </a:prstGeom>
+        </p:spPr>
+      </p:pic>
+      <p:pic>
+        <p:nvPicPr>
+          <p:cNvPr id="4" name="그림 3"/>
+          <p:cNvPicPr>
+            <a:picLocks noChangeAspect="1"/>
+          </p:cNvPicPr>
+          <p:nvPr/>
+        </p:nvPicPr>
+        <p:blipFill>
+          <a:blip r:embed="rId3"/>
+          <a:stretch>
+            <a:fillRect/>
+          </a:stretch>
+        </p:blipFill>
+        <p:spPr>
+          <a:xfrm>
+            <a:off x="2343150" y="3354192"/>
+            <a:ext cx="7505700" cy="3019425"/>
           </a:xfrm>
           <a:prstGeom prst="rect">
             <a:avLst/>
@@ -3749,7 +3748,7 @@
     </p:spTree>
     <p:extLst>
       <p:ext uri="{BB962C8B-B14F-4D97-AF65-F5344CB8AC3E}">
-        <p14:creationId xmlns:p14="http://schemas.microsoft.com/office/powerpoint/2010/main" val="3897214544"/>
+        <p14:creationId xmlns:p14="http://schemas.microsoft.com/office/powerpoint/2010/main" val="853373505"/>
       </p:ext>
     </p:extLst>
   </p:cSld>
@@ -3830,7 +3829,7 @@
                 <a:ea typeface="함초롬돋움" panose="020B0604000101010101" pitchFamily="50" charset="-127"/>
                 <a:cs typeface="함초롬돋움" panose="020B0604000101010101" pitchFamily="50" charset="-127"/>
               </a:rPr>
-              <a:t>Null </a:t>
+              <a:t>Default value </a:t>
             </a:r>
             <a:r>
               <a:rPr lang="ko-KR" altLang="en-US" dirty="0" smtClean="0">
@@ -3838,23 +3837,7 @@
                 <a:ea typeface="함초롬돋움" panose="020B0604000101010101" pitchFamily="50" charset="-127"/>
                 <a:cs typeface="함초롬돋움" panose="020B0604000101010101" pitchFamily="50" charset="-127"/>
               </a:rPr>
-              <a:t>값은 제외된 </a:t>
-            </a:r>
-            <a:r>
-              <a:rPr lang="en-US" altLang="ko-KR" dirty="0" smtClean="0">
-                <a:latin typeface="함초롬돋움" panose="020B0604000101010101" pitchFamily="50" charset="-127"/>
-                <a:ea typeface="함초롬돋움" panose="020B0604000101010101" pitchFamily="50" charset="-127"/>
-                <a:cs typeface="함초롬돋움" panose="020B0604000101010101" pitchFamily="50" charset="-127"/>
-              </a:rPr>
-              <a:t>JSON </a:t>
-            </a:r>
-            <a:r>
-              <a:rPr lang="ko-KR" altLang="en-US" dirty="0" smtClean="0">
-                <a:latin typeface="함초롬돋움" panose="020B0604000101010101" pitchFamily="50" charset="-127"/>
-                <a:ea typeface="함초롬돋움" panose="020B0604000101010101" pitchFamily="50" charset="-127"/>
-                <a:cs typeface="함초롬돋움" panose="020B0604000101010101" pitchFamily="50" charset="-127"/>
-              </a:rPr>
-              <a:t>데이터로 변환</a:t>
+              <a:t>제외하기</a:t>
             </a:r>
             <a:endParaRPr lang="ko-KR" altLang="en-US" dirty="0">
               <a:latin typeface="함초롬돋움" panose="020B0604000101010101" pitchFamily="50" charset="-127"/>
@@ -3866,7 +3849,7 @@
       </p:sp>
       <p:pic>
         <p:nvPicPr>
-          <p:cNvPr id="3" name="그림 2"/>
+          <p:cNvPr id="2" name="그림 1"/>
           <p:cNvPicPr>
             <a:picLocks noChangeAspect="1"/>
           </p:cNvPicPr>
@@ -3880,8 +3863,8 @@
         </p:blipFill>
         <p:spPr>
           <a:xfrm>
-            <a:off x="600834" y="2810656"/>
-            <a:ext cx="10990332" cy="2975548"/>
+            <a:off x="1514475" y="2672202"/>
+            <a:ext cx="9163050" cy="3286125"/>
           </a:xfrm>
           <a:prstGeom prst="rect">
             <a:avLst/>
@@ -3891,7 +3874,7 @@
     </p:spTree>
     <p:extLst>
       <p:ext uri="{BB962C8B-B14F-4D97-AF65-F5344CB8AC3E}">
-        <p14:creationId xmlns:p14="http://schemas.microsoft.com/office/powerpoint/2010/main" val="582262616"/>
+        <p14:creationId xmlns:p14="http://schemas.microsoft.com/office/powerpoint/2010/main" val="749971505"/>
       </p:ext>
     </p:extLst>
   </p:cSld>
@@ -3967,20 +3950,20 @@
           </a:lstStyle>
           <a:p>
             <a:r>
-              <a:rPr lang="en-US" altLang="ko-KR" dirty="0">
-                <a:latin typeface="함초롬돋움" panose="020B0604000101010101" pitchFamily="50" charset="-127"/>
-                <a:ea typeface="함초롬돋움" panose="020B0604000101010101" pitchFamily="50" charset="-127"/>
-                <a:cs typeface="함초롬돋움" panose="020B0604000101010101" pitchFamily="50" charset="-127"/>
-              </a:rPr>
-              <a:t>Public </a:t>
-            </a:r>
-            <a:r>
               <a:rPr lang="ko-KR" altLang="en-US" dirty="0" smtClean="0">
                 <a:latin typeface="함초롬돋움" panose="020B0604000101010101" pitchFamily="50" charset="-127"/>
                 <a:ea typeface="함초롬돋움" panose="020B0604000101010101" pitchFamily="50" charset="-127"/>
                 <a:cs typeface="함초롬돋움" panose="020B0604000101010101" pitchFamily="50" charset="-127"/>
               </a:rPr>
-              <a:t>기본 생성자가 없는 </a:t>
+              <a:t>매칭이 안되는 </a:t>
+            </a:r>
+            <a:r>
+              <a:rPr lang="en-US" altLang="ko-KR" dirty="0" smtClean="0">
+                <a:latin typeface="함초롬돋움" panose="020B0604000101010101" pitchFamily="50" charset="-127"/>
+                <a:ea typeface="함초롬돋움" panose="020B0604000101010101" pitchFamily="50" charset="-127"/>
+                <a:cs typeface="함초롬돋움" panose="020B0604000101010101" pitchFamily="50" charset="-127"/>
+              </a:rPr>
+              <a:t>property </a:t>
             </a:r>
             <a:r>
               <a:rPr lang="ko-KR" altLang="en-US" dirty="0" smtClean="0">
@@ -3988,7 +3971,7 @@
                 <a:ea typeface="함초롬돋움" panose="020B0604000101010101" pitchFamily="50" charset="-127"/>
                 <a:cs typeface="함초롬돋움" panose="020B0604000101010101" pitchFamily="50" charset="-127"/>
               </a:rPr>
-              <a:t>경우 </a:t>
+              <a:t>예외처리 하기</a:t>
             </a:r>
             <a:endParaRPr lang="ko-KR" altLang="en-US" dirty="0">
               <a:latin typeface="함초롬돋움" panose="020B0604000101010101" pitchFamily="50" charset="-127"/>
@@ -4000,7 +3983,7 @@
       </p:sp>
       <p:pic>
         <p:nvPicPr>
-          <p:cNvPr id="4" name="그림 3"/>
+          <p:cNvPr id="3" name="그림 2"/>
           <p:cNvPicPr>
             <a:picLocks noChangeAspect="1"/>
           </p:cNvPicPr>
@@ -4014,8 +3997,32 @@
         </p:blipFill>
         <p:spPr>
           <a:xfrm>
-            <a:off x="3110629" y="2377723"/>
-            <a:ext cx="5970742" cy="4006510"/>
+            <a:off x="1657350" y="3362398"/>
+            <a:ext cx="8877300" cy="3171825"/>
+          </a:xfrm>
+          <a:prstGeom prst="rect">
+            <a:avLst/>
+          </a:prstGeom>
+        </p:spPr>
+      </p:pic>
+      <p:pic>
+        <p:nvPicPr>
+          <p:cNvPr id="5" name="그림 4"/>
+          <p:cNvPicPr>
+            <a:picLocks noChangeAspect="1"/>
+          </p:cNvPicPr>
+          <p:nvPr/>
+        </p:nvPicPr>
+        <p:blipFill>
+          <a:blip r:embed="rId3"/>
+          <a:stretch>
+            <a:fillRect/>
+          </a:stretch>
+        </p:blipFill>
+        <p:spPr>
+          <a:xfrm>
+            <a:off x="1657350" y="2240059"/>
+            <a:ext cx="3381375" cy="942975"/>
           </a:xfrm>
           <a:prstGeom prst="rect">
             <a:avLst/>
@@ -4025,7 +4032,7 @@
     </p:spTree>
     <p:extLst>
       <p:ext uri="{BB962C8B-B14F-4D97-AF65-F5344CB8AC3E}">
-        <p14:creationId xmlns:p14="http://schemas.microsoft.com/office/powerpoint/2010/main" val="2316473868"/>
+        <p14:creationId xmlns:p14="http://schemas.microsoft.com/office/powerpoint/2010/main" val="1364702320"/>
       </p:ext>
     </p:extLst>
   </p:cSld>
@@ -4101,28 +4108,12 @@
           </a:lstStyle>
           <a:p>
             <a:r>
-              <a:rPr lang="en-US" altLang="ko-KR" dirty="0" smtClean="0">
-                <a:latin typeface="함초롬돋움" panose="020B0604000101010101" pitchFamily="50" charset="-127"/>
-                <a:ea typeface="함초롬돋움" panose="020B0604000101010101" pitchFamily="50" charset="-127"/>
-                <a:cs typeface="함초롬돋움" panose="020B0604000101010101" pitchFamily="50" charset="-127"/>
-              </a:rPr>
-              <a:t>Public </a:t>
-            </a:r>
-            <a:r>
               <a:rPr lang="ko-KR" altLang="en-US" dirty="0" smtClean="0">
                 <a:latin typeface="함초롬돋움" panose="020B0604000101010101" pitchFamily="50" charset="-127"/>
                 <a:ea typeface="함초롬돋움" panose="020B0604000101010101" pitchFamily="50" charset="-127"/>
                 <a:cs typeface="함초롬돋움" panose="020B0604000101010101" pitchFamily="50" charset="-127"/>
               </a:rPr>
-              <a:t>기본 </a:t>
-            </a:r>
-            <a:r>
-              <a:rPr lang="ko-KR" altLang="en-US" dirty="0">
-                <a:latin typeface="함초롬돋움" panose="020B0604000101010101" pitchFamily="50" charset="-127"/>
-                <a:ea typeface="함초롬돋움" panose="020B0604000101010101" pitchFamily="50" charset="-127"/>
-                <a:cs typeface="함초롬돋움" panose="020B0604000101010101" pitchFamily="50" charset="-127"/>
-              </a:rPr>
-              <a:t>생성자가 없는 경우 </a:t>
+              <a:t>디버그 정보 기록하기</a:t>
             </a:r>
             <a:endParaRPr lang="ko-KR" altLang="en-US" dirty="0">
               <a:latin typeface="함초롬돋움" panose="020B0604000101010101" pitchFamily="50" charset="-127"/>
@@ -4134,7 +4125,7 @@
       </p:sp>
       <p:pic>
         <p:nvPicPr>
-          <p:cNvPr id="2" name="그림 1"/>
+          <p:cNvPr id="5" name="그림 4"/>
           <p:cNvPicPr>
             <a:picLocks noChangeAspect="1"/>
           </p:cNvPicPr>
@@ -4148,8 +4139,55 @@
         </p:blipFill>
         <p:spPr>
           <a:xfrm>
-            <a:off x="2108547" y="2439470"/>
-            <a:ext cx="7974906" cy="3782808"/>
+            <a:off x="588206" y="2554195"/>
+            <a:ext cx="3381375" cy="942975"/>
+          </a:xfrm>
+          <a:prstGeom prst="rect">
+            <a:avLst/>
+          </a:prstGeom>
+        </p:spPr>
+      </p:pic>
+      <p:pic>
+        <p:nvPicPr>
+          <p:cNvPr id="6" name="그림 5"/>
+          <p:cNvPicPr>
+            <a:picLocks noChangeAspect="1"/>
+          </p:cNvPicPr>
+          <p:nvPr/>
+        </p:nvPicPr>
+        <p:blipFill>
+          <a:blip r:embed="rId3"/>
+          <a:stretch>
+            <a:fillRect/>
+          </a:stretch>
+        </p:blipFill>
+        <p:spPr>
+          <a:xfrm>
+            <a:off x="588206" y="3801091"/>
+            <a:ext cx="7191375" cy="2219325"/>
+          </a:xfrm>
+          <a:prstGeom prst="rect">
+            <a:avLst/>
+          </a:prstGeom>
+        </p:spPr>
+      </p:pic>
+      <p:pic>
+        <p:nvPicPr>
+          <p:cNvPr id="4" name="그림 3"/>
+          <p:cNvPicPr>
+            <a:picLocks noChangeAspect="1"/>
+          </p:cNvPicPr>
+          <p:nvPr/>
+        </p:nvPicPr>
+        <p:blipFill rotWithShape="1">
+          <a:blip r:embed="rId4"/>
+          <a:srcRect l="395" r="2964" b="8752"/>
+          <a:stretch/>
+        </p:blipFill>
+        <p:spPr>
+          <a:xfrm>
+            <a:off x="6119446" y="2323851"/>
+            <a:ext cx="5725551" cy="2346637"/>
           </a:xfrm>
           <a:prstGeom prst="rect">
             <a:avLst/>
@@ -4159,7 +4197,7 @@
     </p:spTree>
     <p:extLst>
       <p:ext uri="{BB962C8B-B14F-4D97-AF65-F5344CB8AC3E}">
-        <p14:creationId xmlns:p14="http://schemas.microsoft.com/office/powerpoint/2010/main" val="436941"/>
+        <p14:creationId xmlns:p14="http://schemas.microsoft.com/office/powerpoint/2010/main" val="125354119"/>
       </p:ext>
     </p:extLst>
   </p:cSld>
@@ -4235,12 +4273,36 @@
           </a:lstStyle>
           <a:p>
             <a:r>
+              <a:rPr lang="en-US" altLang="ko-KR" dirty="0" smtClean="0">
+                <a:latin typeface="함초롬돋움" panose="020B0604000101010101" pitchFamily="50" charset="-127"/>
+                <a:ea typeface="함초롬돋움" panose="020B0604000101010101" pitchFamily="50" charset="-127"/>
+                <a:cs typeface="함초롬돋움" panose="020B0604000101010101" pitchFamily="50" charset="-127"/>
+              </a:rPr>
+              <a:t>Null </a:t>
+            </a:r>
+            <a:r>
               <a:rPr lang="ko-KR" altLang="en-US" dirty="0" smtClean="0">
                 <a:latin typeface="함초롬돋움" panose="020B0604000101010101" pitchFamily="50" charset="-127"/>
                 <a:ea typeface="함초롬돋움" panose="020B0604000101010101" pitchFamily="50" charset="-127"/>
                 <a:cs typeface="함초롬돋움" panose="020B0604000101010101" pitchFamily="50" charset="-127"/>
               </a:rPr>
-              <a:t>중복된 컬렉션 제거</a:t>
+              <a:t>값은 제외된 </a:t>
+            </a:r>
+            <a:r>
+              <a:rPr lang="en-US" altLang="ko-KR" dirty="0" smtClean="0">
+                <a:latin typeface="함초롬돋움" panose="020B0604000101010101" pitchFamily="50" charset="-127"/>
+                <a:ea typeface="함초롬돋움" panose="020B0604000101010101" pitchFamily="50" charset="-127"/>
+                <a:cs typeface="함초롬돋움" panose="020B0604000101010101" pitchFamily="50" charset="-127"/>
+              </a:rPr>
+              <a:t>JSON </a:t>
+            </a:r>
+            <a:r>
+              <a:rPr lang="ko-KR" altLang="en-US" dirty="0" smtClean="0">
+                <a:latin typeface="함초롬돋움" panose="020B0604000101010101" pitchFamily="50" charset="-127"/>
+                <a:ea typeface="함초롬돋움" panose="020B0604000101010101" pitchFamily="50" charset="-127"/>
+                <a:cs typeface="함초롬돋움" panose="020B0604000101010101" pitchFamily="50" charset="-127"/>
+              </a:rPr>
+              <a:t>데이터로 변환</a:t>
             </a:r>
             <a:endParaRPr lang="ko-KR" altLang="en-US" dirty="0">
               <a:latin typeface="함초롬돋움" panose="020B0604000101010101" pitchFamily="50" charset="-127"/>
@@ -4266,8 +4328,8 @@
         </p:blipFill>
         <p:spPr>
           <a:xfrm>
-            <a:off x="3361150" y="2429754"/>
-            <a:ext cx="5469700" cy="3902448"/>
+            <a:off x="2198894" y="2765686"/>
+            <a:ext cx="7794212" cy="3245370"/>
           </a:xfrm>
           <a:prstGeom prst="rect">
             <a:avLst/>
@@ -4277,7 +4339,7 @@
     </p:spTree>
     <p:extLst>
       <p:ext uri="{BB962C8B-B14F-4D97-AF65-F5344CB8AC3E}">
-        <p14:creationId xmlns:p14="http://schemas.microsoft.com/office/powerpoint/2010/main" val="1777395272"/>
+        <p14:creationId xmlns:p14="http://schemas.microsoft.com/office/powerpoint/2010/main" val="3897214544"/>
       </p:ext>
     </p:extLst>
   </p:cSld>
@@ -4353,12 +4415,36 @@
           </a:lstStyle>
           <a:p>
             <a:r>
+              <a:rPr lang="en-US" altLang="ko-KR" dirty="0" smtClean="0">
+                <a:latin typeface="함초롬돋움" panose="020B0604000101010101" pitchFamily="50" charset="-127"/>
+                <a:ea typeface="함초롬돋움" panose="020B0604000101010101" pitchFamily="50" charset="-127"/>
+                <a:cs typeface="함초롬돋움" panose="020B0604000101010101" pitchFamily="50" charset="-127"/>
+              </a:rPr>
+              <a:t>Null </a:t>
+            </a:r>
+            <a:r>
               <a:rPr lang="ko-KR" altLang="en-US" dirty="0" smtClean="0">
                 <a:latin typeface="함초롬돋움" panose="020B0604000101010101" pitchFamily="50" charset="-127"/>
                 <a:ea typeface="함초롬돋움" panose="020B0604000101010101" pitchFamily="50" charset="-127"/>
                 <a:cs typeface="함초롬돋움" panose="020B0604000101010101" pitchFamily="50" charset="-127"/>
               </a:rPr>
-              <a:t>중복된 컬렉션 제거</a:t>
+              <a:t>값은 제외된 </a:t>
+            </a:r>
+            <a:r>
+              <a:rPr lang="en-US" altLang="ko-KR" dirty="0" smtClean="0">
+                <a:latin typeface="함초롬돋움" panose="020B0604000101010101" pitchFamily="50" charset="-127"/>
+                <a:ea typeface="함초롬돋움" panose="020B0604000101010101" pitchFamily="50" charset="-127"/>
+                <a:cs typeface="함초롬돋움" panose="020B0604000101010101" pitchFamily="50" charset="-127"/>
+              </a:rPr>
+              <a:t>JSON </a:t>
+            </a:r>
+            <a:r>
+              <a:rPr lang="ko-KR" altLang="en-US" dirty="0" smtClean="0">
+                <a:latin typeface="함초롬돋움" panose="020B0604000101010101" pitchFamily="50" charset="-127"/>
+                <a:ea typeface="함초롬돋움" panose="020B0604000101010101" pitchFamily="50" charset="-127"/>
+                <a:cs typeface="함초롬돋움" panose="020B0604000101010101" pitchFamily="50" charset="-127"/>
+              </a:rPr>
+              <a:t>데이터로 변환</a:t>
             </a:r>
             <a:endParaRPr lang="ko-KR" altLang="en-US" dirty="0">
               <a:latin typeface="함초롬돋움" panose="020B0604000101010101" pitchFamily="50" charset="-127"/>
@@ -4384,8 +4470,8 @@
         </p:blipFill>
         <p:spPr>
           <a:xfrm>
-            <a:off x="3536515" y="2301617"/>
-            <a:ext cx="5118970" cy="4158722"/>
+            <a:off x="600834" y="2810656"/>
+            <a:ext cx="10990332" cy="2975548"/>
           </a:xfrm>
           <a:prstGeom prst="rect">
             <a:avLst/>
@@ -4395,7 +4481,7 @@
     </p:spTree>
     <p:extLst>
       <p:ext uri="{BB962C8B-B14F-4D97-AF65-F5344CB8AC3E}">
-        <p14:creationId xmlns:p14="http://schemas.microsoft.com/office/powerpoint/2010/main" val="794693122"/>
+        <p14:creationId xmlns:p14="http://schemas.microsoft.com/office/powerpoint/2010/main" val="582262616"/>
       </p:ext>
     </p:extLst>
   </p:cSld>
@@ -4682,21 +4768,7 @@
                 <a:latin typeface="+mn-ea"/>
                 <a:cs typeface="함초롬돋움" panose="020B0604000101010101" pitchFamily="50" charset="-127"/>
               </a:rPr>
-              <a:t>를</a:t>
-            </a:r>
-            <a:r>
-              <a:rPr lang="ko-KR" altLang="en-US" dirty="0" smtClean="0">
-                <a:latin typeface="+mn-ea"/>
-                <a:cs typeface="함초롬돋움" panose="020B0604000101010101" pitchFamily="50" charset="-127"/>
-              </a:rPr>
-              <a:t> </a:t>
-            </a:r>
-            <a:r>
-              <a:rPr lang="ko-KR" altLang="en-US" dirty="0" smtClean="0">
-                <a:latin typeface="+mn-ea"/>
-                <a:cs typeface="함초롬돋움" panose="020B0604000101010101" pitchFamily="50" charset="-127"/>
-              </a:rPr>
-              <a:t>이용하여 변환</a:t>
+              <a:t>를 이용하여 변환</a:t>
             </a:r>
             <a:endParaRPr lang="en-US" altLang="ko-KR" dirty="0">
               <a:latin typeface="+mn-ea"/>
@@ -4784,12 +4856,12 @@
           </a:lstStyle>
           <a:p>
             <a:r>
-              <a:rPr lang="en-US" altLang="ko-KR" dirty="0" smtClean="0">
-                <a:latin typeface="함초롬돋움" panose="020B0604000101010101" pitchFamily="50" charset="-127"/>
-                <a:ea typeface="함초롬돋움" panose="020B0604000101010101" pitchFamily="50" charset="-127"/>
-                <a:cs typeface="함초롬돋움" panose="020B0604000101010101" pitchFamily="50" charset="-127"/>
-              </a:rPr>
-              <a:t>JSON</a:t>
+              <a:rPr lang="en-US" altLang="ko-KR" dirty="0">
+                <a:latin typeface="함초롬돋움" panose="020B0604000101010101" pitchFamily="50" charset="-127"/>
+                <a:ea typeface="함초롬돋움" panose="020B0604000101010101" pitchFamily="50" charset="-127"/>
+                <a:cs typeface="함초롬돋움" panose="020B0604000101010101" pitchFamily="50" charset="-127"/>
+              </a:rPr>
+              <a:t>Public </a:t>
             </a:r>
             <a:r>
               <a:rPr lang="ko-KR" altLang="en-US" dirty="0" smtClean="0">
@@ -4797,39 +4869,7 @@
                 <a:ea typeface="함초롬돋움" panose="020B0604000101010101" pitchFamily="50" charset="-127"/>
                 <a:cs typeface="함초롬돋움" panose="020B0604000101010101" pitchFamily="50" charset="-127"/>
               </a:rPr>
-              <a:t> </a:t>
-            </a:r>
-            <a:r>
-              <a:rPr lang="en-US" altLang="ko-KR" dirty="0" smtClean="0">
-                <a:latin typeface="함초롬돋움" panose="020B0604000101010101" pitchFamily="50" charset="-127"/>
-                <a:ea typeface="함초롬돋움" panose="020B0604000101010101" pitchFamily="50" charset="-127"/>
-                <a:cs typeface="함초롬돋움" panose="020B0604000101010101" pitchFamily="50" charset="-127"/>
-              </a:rPr>
-              <a:t>-&gt;</a:t>
-            </a:r>
-            <a:r>
-              <a:rPr lang="ko-KR" altLang="en-US" dirty="0" smtClean="0">
-                <a:latin typeface="함초롬돋움" panose="020B0604000101010101" pitchFamily="50" charset="-127"/>
-                <a:ea typeface="함초롬돋움" panose="020B0604000101010101" pitchFamily="50" charset="-127"/>
-                <a:cs typeface="함초롬돋움" panose="020B0604000101010101" pitchFamily="50" charset="-127"/>
-              </a:rPr>
-              <a:t> </a:t>
-            </a:r>
-            <a:r>
-              <a:rPr lang="en-US" altLang="ko-KR" dirty="0" smtClean="0">
-                <a:latin typeface="함초롬돋움" panose="020B0604000101010101" pitchFamily="50" charset="-127"/>
-                <a:ea typeface="함초롬돋움" panose="020B0604000101010101" pitchFamily="50" charset="-127"/>
-                <a:cs typeface="함초롬돋움" panose="020B0604000101010101" pitchFamily="50" charset="-127"/>
-              </a:rPr>
-              <a:t>XML</a:t>
-            </a:r>
-            <a:r>
-              <a:rPr lang="ko-KR" altLang="en-US" dirty="0" smtClean="0">
-                <a:latin typeface="함초롬돋움" panose="020B0604000101010101" pitchFamily="50" charset="-127"/>
-                <a:ea typeface="함초롬돋움" panose="020B0604000101010101" pitchFamily="50" charset="-127"/>
-                <a:cs typeface="함초롬돋움" panose="020B0604000101010101" pitchFamily="50" charset="-127"/>
-              </a:rPr>
-              <a:t> 변환</a:t>
+              <a:t>기본 생성자가 없는 경우 </a:t>
             </a:r>
             <a:endParaRPr lang="ko-KR" altLang="en-US" dirty="0">
               <a:latin typeface="함초롬돋움" panose="020B0604000101010101" pitchFamily="50" charset="-127"/>
@@ -4841,7 +4881,7 @@
       </p:sp>
       <p:pic>
         <p:nvPicPr>
-          <p:cNvPr id="2" name="그림 1"/>
+          <p:cNvPr id="4" name="그림 3"/>
           <p:cNvPicPr>
             <a:picLocks noChangeAspect="1"/>
           </p:cNvPicPr>
@@ -4855,8 +4895,8 @@
         </p:blipFill>
         <p:spPr>
           <a:xfrm>
-            <a:off x="3347186" y="2154478"/>
-            <a:ext cx="5497628" cy="4402896"/>
+            <a:off x="3110629" y="2377723"/>
+            <a:ext cx="5970742" cy="4006510"/>
           </a:xfrm>
           <a:prstGeom prst="rect">
             <a:avLst/>
@@ -4866,7 +4906,7 @@
     </p:spTree>
     <p:extLst>
       <p:ext uri="{BB962C8B-B14F-4D97-AF65-F5344CB8AC3E}">
-        <p14:creationId xmlns:p14="http://schemas.microsoft.com/office/powerpoint/2010/main" val="1366046904"/>
+        <p14:creationId xmlns:p14="http://schemas.microsoft.com/office/powerpoint/2010/main" val="2316473868"/>
       </p:ext>
     </p:extLst>
   </p:cSld>
@@ -4947,7 +4987,7 @@
                 <a:ea typeface="함초롬돋움" panose="020B0604000101010101" pitchFamily="50" charset="-127"/>
                 <a:cs typeface="함초롬돋움" panose="020B0604000101010101" pitchFamily="50" charset="-127"/>
               </a:rPr>
-              <a:t>XML</a:t>
+              <a:t>Public </a:t>
             </a:r>
             <a:r>
               <a:rPr lang="ko-KR" altLang="en-US" dirty="0" smtClean="0">
@@ -4955,51 +4995,22 @@
                 <a:ea typeface="함초롬돋움" panose="020B0604000101010101" pitchFamily="50" charset="-127"/>
                 <a:cs typeface="함초롬돋움" panose="020B0604000101010101" pitchFamily="50" charset="-127"/>
               </a:rPr>
-              <a:t> </a:t>
-            </a:r>
-            <a:r>
-              <a:rPr lang="en-US" altLang="ko-KR" dirty="0" smtClean="0">
-                <a:latin typeface="함초롬돋움" panose="020B0604000101010101" pitchFamily="50" charset="-127"/>
-                <a:ea typeface="함초롬돋움" panose="020B0604000101010101" pitchFamily="50" charset="-127"/>
-                <a:cs typeface="함초롬돋움" panose="020B0604000101010101" pitchFamily="50" charset="-127"/>
-              </a:rPr>
-              <a:t>-&gt;</a:t>
-            </a:r>
-            <a:r>
-              <a:rPr lang="ko-KR" altLang="en-US" dirty="0" smtClean="0">
-                <a:latin typeface="함초롬돋움" panose="020B0604000101010101" pitchFamily="50" charset="-127"/>
-                <a:ea typeface="함초롬돋움" panose="020B0604000101010101" pitchFamily="50" charset="-127"/>
-                <a:cs typeface="함초롬돋움" panose="020B0604000101010101" pitchFamily="50" charset="-127"/>
-              </a:rPr>
-              <a:t> </a:t>
-            </a:r>
-            <a:r>
-              <a:rPr lang="en-US" altLang="ko-KR" dirty="0" smtClean="0">
-                <a:latin typeface="함초롬돋움" panose="020B0604000101010101" pitchFamily="50" charset="-127"/>
-                <a:ea typeface="함초롬돋움" panose="020B0604000101010101" pitchFamily="50" charset="-127"/>
-                <a:cs typeface="함초롬돋움" panose="020B0604000101010101" pitchFamily="50" charset="-127"/>
-              </a:rPr>
-              <a:t>JSON</a:t>
-            </a:r>
-            <a:r>
-              <a:rPr lang="ko-KR" altLang="en-US" dirty="0" smtClean="0">
-                <a:latin typeface="함초롬돋움" panose="020B0604000101010101" pitchFamily="50" charset="-127"/>
-                <a:ea typeface="함초롬돋움" panose="020B0604000101010101" pitchFamily="50" charset="-127"/>
-                <a:cs typeface="함초롬돋움" panose="020B0604000101010101" pitchFamily="50" charset="-127"/>
-              </a:rPr>
-              <a:t> 변환</a:t>
-            </a:r>
-            <a:endParaRPr lang="ko-KR" altLang="en-US" dirty="0">
-              <a:latin typeface="함초롬돋움" panose="020B0604000101010101" pitchFamily="50" charset="-127"/>
-              <a:ea typeface="함초롬돋움" panose="020B0604000101010101" pitchFamily="50" charset="-127"/>
-              <a:cs typeface="함초롬돋움" panose="020B0604000101010101" pitchFamily="50" charset="-127"/>
-            </a:endParaRPr>
+              <a:t>기본 </a:t>
+            </a:r>
+            <a:r>
+              <a:rPr lang="ko-KR" altLang="en-US" dirty="0">
+                <a:latin typeface="함초롬돋움" panose="020B0604000101010101" pitchFamily="50" charset="-127"/>
+                <a:ea typeface="함초롬돋움" panose="020B0604000101010101" pitchFamily="50" charset="-127"/>
+                <a:cs typeface="함초롬돋움" panose="020B0604000101010101" pitchFamily="50" charset="-127"/>
+              </a:rPr>
+              <a:t>생성자가 없는 경우 </a:t>
+            </a:r>
           </a:p>
         </p:txBody>
       </p:sp>
       <p:pic>
         <p:nvPicPr>
-          <p:cNvPr id="4" name="그림 3"/>
+          <p:cNvPr id="2" name="그림 1"/>
           <p:cNvPicPr>
             <a:picLocks noChangeAspect="1"/>
           </p:cNvPicPr>
@@ -5013,32 +5024,8 @@
         </p:blipFill>
         <p:spPr>
           <a:xfrm>
-            <a:off x="968679" y="2942311"/>
-            <a:ext cx="4267200" cy="2476500"/>
-          </a:xfrm>
-          <a:prstGeom prst="rect">
-            <a:avLst/>
-          </a:prstGeom>
-        </p:spPr>
-      </p:pic>
-      <p:pic>
-        <p:nvPicPr>
-          <p:cNvPr id="5" name="그림 4"/>
-          <p:cNvPicPr>
-            <a:picLocks noChangeAspect="1"/>
-          </p:cNvPicPr>
-          <p:nvPr/>
-        </p:nvPicPr>
-        <p:blipFill>
-          <a:blip r:embed="rId3"/>
-          <a:stretch>
-            <a:fillRect/>
-          </a:stretch>
-        </p:blipFill>
-        <p:spPr>
-          <a:xfrm>
-            <a:off x="7070421" y="2210844"/>
-            <a:ext cx="4038600" cy="4114800"/>
+            <a:off x="2108547" y="2439470"/>
+            <a:ext cx="7974906" cy="3782808"/>
           </a:xfrm>
           <a:prstGeom prst="rect">
             <a:avLst/>
@@ -5048,7 +5035,7 @@
     </p:spTree>
     <p:extLst>
       <p:ext uri="{BB962C8B-B14F-4D97-AF65-F5344CB8AC3E}">
-        <p14:creationId xmlns:p14="http://schemas.microsoft.com/office/powerpoint/2010/main" val="2258771666"/>
+        <p14:creationId xmlns:p14="http://schemas.microsoft.com/office/powerpoint/2010/main" val="436941"/>
       </p:ext>
     </p:extLst>
   </p:cSld>
@@ -5124,36 +5111,12 @@
           </a:lstStyle>
           <a:p>
             <a:r>
-              <a:rPr lang="en-US" altLang="ko-KR" dirty="0" smtClean="0">
-                <a:latin typeface="함초롬돋움" panose="020B0604000101010101" pitchFamily="50" charset="-127"/>
-                <a:ea typeface="함초롬돋움" panose="020B0604000101010101" pitchFamily="50" charset="-127"/>
-                <a:cs typeface="함초롬돋움" panose="020B0604000101010101" pitchFamily="50" charset="-127"/>
-              </a:rPr>
-              <a:t>XML</a:t>
-            </a:r>
-            <a:r>
               <a:rPr lang="ko-KR" altLang="en-US" dirty="0" smtClean="0">
                 <a:latin typeface="함초롬돋움" panose="020B0604000101010101" pitchFamily="50" charset="-127"/>
                 <a:ea typeface="함초롬돋움" panose="020B0604000101010101" pitchFamily="50" charset="-127"/>
                 <a:cs typeface="함초롬돋움" panose="020B0604000101010101" pitchFamily="50" charset="-127"/>
               </a:rPr>
-              <a:t>의 특정 값을 </a:t>
-            </a:r>
-            <a:r>
-              <a:rPr lang="en-US" altLang="ko-KR" dirty="0" err="1" smtClean="0">
-                <a:latin typeface="함초롬돋움" panose="020B0604000101010101" pitchFamily="50" charset="-127"/>
-                <a:ea typeface="함초롬돋움" panose="020B0604000101010101" pitchFamily="50" charset="-127"/>
-                <a:cs typeface="함초롬돋움" panose="020B0604000101010101" pitchFamily="50" charset="-127"/>
-              </a:rPr>
-              <a:t>JSONArray</a:t>
-            </a:r>
-            <a:r>
-              <a:rPr lang="ko-KR" altLang="en-US" dirty="0" smtClean="0">
-                <a:latin typeface="함초롬돋움" panose="020B0604000101010101" pitchFamily="50" charset="-127"/>
-                <a:ea typeface="함초롬돋움" panose="020B0604000101010101" pitchFamily="50" charset="-127"/>
-                <a:cs typeface="함초롬돋움" panose="020B0604000101010101" pitchFamily="50" charset="-127"/>
-              </a:rPr>
-              <a:t>로 변환</a:t>
+              <a:t>중복된 컬렉션 제거</a:t>
             </a:r>
             <a:endParaRPr lang="ko-KR" altLang="en-US" dirty="0">
               <a:latin typeface="함초롬돋움" panose="020B0604000101010101" pitchFamily="50" charset="-127"/>
@@ -5165,7 +5128,7 @@
       </p:sp>
       <p:pic>
         <p:nvPicPr>
-          <p:cNvPr id="3" name="그림 2"/>
+          <p:cNvPr id="2" name="그림 1"/>
           <p:cNvPicPr>
             <a:picLocks noChangeAspect="1"/>
           </p:cNvPicPr>
@@ -5179,8 +5142,8 @@
         </p:blipFill>
         <p:spPr>
           <a:xfrm>
-            <a:off x="2947987" y="2402061"/>
-            <a:ext cx="6296025" cy="3857625"/>
+            <a:off x="3361150" y="2429754"/>
+            <a:ext cx="5469700" cy="3902448"/>
           </a:xfrm>
           <a:prstGeom prst="rect">
             <a:avLst/>
@@ -5190,7 +5153,7 @@
     </p:spTree>
     <p:extLst>
       <p:ext uri="{BB962C8B-B14F-4D97-AF65-F5344CB8AC3E}">
-        <p14:creationId xmlns:p14="http://schemas.microsoft.com/office/powerpoint/2010/main" val="2296381697"/>
+        <p14:creationId xmlns:p14="http://schemas.microsoft.com/office/powerpoint/2010/main" val="1777395272"/>
       </p:ext>
     </p:extLst>
   </p:cSld>
@@ -5266,20 +5229,12 @@
           </a:lstStyle>
           <a:p>
             <a:r>
-              <a:rPr lang="en-US" altLang="ko-KR" dirty="0" smtClean="0">
-                <a:latin typeface="함초롬돋움" panose="020B0604000101010101" pitchFamily="50" charset="-127"/>
-                <a:ea typeface="함초롬돋움" panose="020B0604000101010101" pitchFamily="50" charset="-127"/>
-                <a:cs typeface="함초롬돋움" panose="020B0604000101010101" pitchFamily="50" charset="-127"/>
-              </a:rPr>
-              <a:t>JSON </a:t>
-            </a:r>
-            <a:r>
               <a:rPr lang="ko-KR" altLang="en-US" dirty="0" smtClean="0">
                 <a:latin typeface="함초롬돋움" panose="020B0604000101010101" pitchFamily="50" charset="-127"/>
                 <a:ea typeface="함초롬돋움" panose="020B0604000101010101" pitchFamily="50" charset="-127"/>
                 <a:cs typeface="함초롬돋움" panose="020B0604000101010101" pitchFamily="50" charset="-127"/>
               </a:rPr>
-              <a:t>읽기</a:t>
+              <a:t>중복된 컬렉션 제거</a:t>
             </a:r>
             <a:endParaRPr lang="ko-KR" altLang="en-US" dirty="0">
               <a:latin typeface="함초롬돋움" panose="020B0604000101010101" pitchFamily="50" charset="-127"/>
@@ -5291,7 +5246,7 @@
       </p:sp>
       <p:pic>
         <p:nvPicPr>
-          <p:cNvPr id="2" name="그림 1"/>
+          <p:cNvPr id="3" name="그림 2"/>
           <p:cNvPicPr>
             <a:picLocks noChangeAspect="1"/>
           </p:cNvPicPr>
@@ -5305,32 +5260,8 @@
         </p:blipFill>
         <p:spPr>
           <a:xfrm>
-            <a:off x="1578142" y="2429070"/>
-            <a:ext cx="6629400" cy="4029075"/>
-          </a:xfrm>
-          <a:prstGeom prst="rect">
-            <a:avLst/>
-          </a:prstGeom>
-        </p:spPr>
-      </p:pic>
-      <p:pic>
-        <p:nvPicPr>
-          <p:cNvPr id="3" name="그림 2"/>
-          <p:cNvPicPr>
-            <a:picLocks noChangeAspect="1"/>
-          </p:cNvPicPr>
-          <p:nvPr/>
-        </p:nvPicPr>
-        <p:blipFill>
-          <a:blip r:embed="rId3"/>
-          <a:stretch>
-            <a:fillRect/>
-          </a:stretch>
-        </p:blipFill>
-        <p:spPr>
-          <a:xfrm>
-            <a:off x="7623258" y="2262187"/>
-            <a:ext cx="3971925" cy="2333625"/>
+            <a:off x="3536515" y="2301617"/>
+            <a:ext cx="5118970" cy="4158722"/>
           </a:xfrm>
           <a:prstGeom prst="rect">
             <a:avLst/>
@@ -5340,7 +5271,7 @@
     </p:spTree>
     <p:extLst>
       <p:ext uri="{BB962C8B-B14F-4D97-AF65-F5344CB8AC3E}">
-        <p14:creationId xmlns:p14="http://schemas.microsoft.com/office/powerpoint/2010/main" val="220281476"/>
+        <p14:creationId xmlns:p14="http://schemas.microsoft.com/office/powerpoint/2010/main" val="794693122"/>
       </p:ext>
     </p:extLst>
   </p:cSld>
@@ -5421,6 +5352,638 @@
                 <a:ea typeface="함초롬돋움" panose="020B0604000101010101" pitchFamily="50" charset="-127"/>
                 <a:cs typeface="함초롬돋움" panose="020B0604000101010101" pitchFamily="50" charset="-127"/>
               </a:rPr>
+              <a:t>JSON</a:t>
+            </a:r>
+            <a:r>
+              <a:rPr lang="ko-KR" altLang="en-US" dirty="0" smtClean="0">
+                <a:latin typeface="함초롬돋움" panose="020B0604000101010101" pitchFamily="50" charset="-127"/>
+                <a:ea typeface="함초롬돋움" panose="020B0604000101010101" pitchFamily="50" charset="-127"/>
+                <a:cs typeface="함초롬돋움" panose="020B0604000101010101" pitchFamily="50" charset="-127"/>
+              </a:rPr>
+              <a:t> </a:t>
+            </a:r>
+            <a:r>
+              <a:rPr lang="en-US" altLang="ko-KR" dirty="0" smtClean="0">
+                <a:latin typeface="함초롬돋움" panose="020B0604000101010101" pitchFamily="50" charset="-127"/>
+                <a:ea typeface="함초롬돋움" panose="020B0604000101010101" pitchFamily="50" charset="-127"/>
+                <a:cs typeface="함초롬돋움" panose="020B0604000101010101" pitchFamily="50" charset="-127"/>
+              </a:rPr>
+              <a:t>-&gt;</a:t>
+            </a:r>
+            <a:r>
+              <a:rPr lang="ko-KR" altLang="en-US" dirty="0" smtClean="0">
+                <a:latin typeface="함초롬돋움" panose="020B0604000101010101" pitchFamily="50" charset="-127"/>
+                <a:ea typeface="함초롬돋움" panose="020B0604000101010101" pitchFamily="50" charset="-127"/>
+                <a:cs typeface="함초롬돋움" panose="020B0604000101010101" pitchFamily="50" charset="-127"/>
+              </a:rPr>
+              <a:t> </a:t>
+            </a:r>
+            <a:r>
+              <a:rPr lang="en-US" altLang="ko-KR" dirty="0" smtClean="0">
+                <a:latin typeface="함초롬돋움" panose="020B0604000101010101" pitchFamily="50" charset="-127"/>
+                <a:ea typeface="함초롬돋움" panose="020B0604000101010101" pitchFamily="50" charset="-127"/>
+                <a:cs typeface="함초롬돋움" panose="020B0604000101010101" pitchFamily="50" charset="-127"/>
+              </a:rPr>
+              <a:t>XML</a:t>
+            </a:r>
+            <a:r>
+              <a:rPr lang="ko-KR" altLang="en-US" dirty="0" smtClean="0">
+                <a:latin typeface="함초롬돋움" panose="020B0604000101010101" pitchFamily="50" charset="-127"/>
+                <a:ea typeface="함초롬돋움" panose="020B0604000101010101" pitchFamily="50" charset="-127"/>
+                <a:cs typeface="함초롬돋움" panose="020B0604000101010101" pitchFamily="50" charset="-127"/>
+              </a:rPr>
+              <a:t> 변환</a:t>
+            </a:r>
+            <a:endParaRPr lang="ko-KR" altLang="en-US" dirty="0">
+              <a:latin typeface="함초롬돋움" panose="020B0604000101010101" pitchFamily="50" charset="-127"/>
+              <a:ea typeface="함초롬돋움" panose="020B0604000101010101" pitchFamily="50" charset="-127"/>
+              <a:cs typeface="함초롬돋움" panose="020B0604000101010101" pitchFamily="50" charset="-127"/>
+            </a:endParaRPr>
+          </a:p>
+        </p:txBody>
+      </p:sp>
+      <p:pic>
+        <p:nvPicPr>
+          <p:cNvPr id="2" name="그림 1"/>
+          <p:cNvPicPr>
+            <a:picLocks noChangeAspect="1"/>
+          </p:cNvPicPr>
+          <p:nvPr/>
+        </p:nvPicPr>
+        <p:blipFill>
+          <a:blip r:embed="rId2"/>
+          <a:stretch>
+            <a:fillRect/>
+          </a:stretch>
+        </p:blipFill>
+        <p:spPr>
+          <a:xfrm>
+            <a:off x="3347186" y="2154478"/>
+            <a:ext cx="5497628" cy="4402896"/>
+          </a:xfrm>
+          <a:prstGeom prst="rect">
+            <a:avLst/>
+          </a:prstGeom>
+        </p:spPr>
+      </p:pic>
+    </p:spTree>
+    <p:extLst>
+      <p:ext uri="{BB962C8B-B14F-4D97-AF65-F5344CB8AC3E}">
+        <p14:creationId xmlns:p14="http://schemas.microsoft.com/office/powerpoint/2010/main" val="1366046904"/>
+      </p:ext>
+    </p:extLst>
+  </p:cSld>
+  <p:clrMapOvr>
+    <a:masterClrMapping/>
+  </p:clrMapOvr>
+  <p:timing>
+    <p:tnLst>
+      <p:par>
+        <p:cTn id="1" dur="indefinite" restart="never" nodeType="tmRoot"/>
+      </p:par>
+    </p:tnLst>
+  </p:timing>
+</p:sld>
+</file>
+
+<file path=ppt/slides/slide25.xml><?xml version="1.0" encoding="utf-8"?>
+<p:sld xmlns:a="http://schemas.openxmlformats.org/drawingml/2006/main" xmlns:r="http://schemas.openxmlformats.org/officeDocument/2006/relationships" xmlns:p="http://schemas.openxmlformats.org/presentationml/2006/main">
+  <p:cSld>
+    <p:spTree>
+      <p:nvGrpSpPr>
+        <p:cNvPr id="1" name=""/>
+        <p:cNvGrpSpPr/>
+        <p:nvPr/>
+      </p:nvGrpSpPr>
+      <p:grpSpPr>
+        <a:xfrm>
+          <a:off x="0" y="0"/>
+          <a:ext cx="0" cy="0"/>
+          <a:chOff x="0" y="0"/>
+          <a:chExt cx="0" cy="0"/>
+        </a:xfrm>
+      </p:grpSpPr>
+      <p:sp>
+        <p:nvSpPr>
+          <p:cNvPr id="7" name="제목 1"/>
+          <p:cNvSpPr txBox="1">
+            <a:spLocks/>
+          </p:cNvSpPr>
+          <p:nvPr/>
+        </p:nvSpPr>
+        <p:spPr>
+          <a:xfrm>
+            <a:off x="838200" y="365125"/>
+            <a:ext cx="10515600" cy="1090189"/>
+          </a:xfrm>
+          <a:prstGeom prst="rect">
+            <a:avLst/>
+          </a:prstGeom>
+        </p:spPr>
+        <p:txBody>
+          <a:bodyPr vert="horz" lIns="91440" tIns="45720" rIns="91440" bIns="45720" rtlCol="0" anchor="ctr">
+            <a:normAutofit/>
+          </a:bodyPr>
+          <a:lstStyle>
+            <a:lvl1pPr algn="l" defTabSz="914400" rtl="0" eaLnBrk="1" latinLnBrk="1" hangingPunct="1">
+              <a:lnSpc>
+                <a:spcPct val="90000"/>
+              </a:lnSpc>
+              <a:spcBef>
+                <a:spcPct val="0"/>
+              </a:spcBef>
+              <a:buNone/>
+              <a:defRPr sz="4800" kern="1200">
+                <a:solidFill>
+                  <a:schemeClr val="accent4"/>
+                </a:solidFill>
+                <a:latin typeface="+mj-lt"/>
+                <a:ea typeface="+mj-ea"/>
+                <a:cs typeface="+mj-cs"/>
+              </a:defRPr>
+            </a:lvl1pPr>
+          </a:lstStyle>
+          <a:p>
+            <a:r>
+              <a:rPr lang="en-US" altLang="ko-KR" dirty="0" smtClean="0">
+                <a:latin typeface="함초롬돋움" panose="020B0604000101010101" pitchFamily="50" charset="-127"/>
+                <a:ea typeface="함초롬돋움" panose="020B0604000101010101" pitchFamily="50" charset="-127"/>
+                <a:cs typeface="함초롬돋움" panose="020B0604000101010101" pitchFamily="50" charset="-127"/>
+              </a:rPr>
+              <a:t>XML</a:t>
+            </a:r>
+            <a:r>
+              <a:rPr lang="ko-KR" altLang="en-US" dirty="0" smtClean="0">
+                <a:latin typeface="함초롬돋움" panose="020B0604000101010101" pitchFamily="50" charset="-127"/>
+                <a:ea typeface="함초롬돋움" panose="020B0604000101010101" pitchFamily="50" charset="-127"/>
+                <a:cs typeface="함초롬돋움" panose="020B0604000101010101" pitchFamily="50" charset="-127"/>
+              </a:rPr>
+              <a:t> </a:t>
+            </a:r>
+            <a:r>
+              <a:rPr lang="en-US" altLang="ko-KR" dirty="0" smtClean="0">
+                <a:latin typeface="함초롬돋움" panose="020B0604000101010101" pitchFamily="50" charset="-127"/>
+                <a:ea typeface="함초롬돋움" panose="020B0604000101010101" pitchFamily="50" charset="-127"/>
+                <a:cs typeface="함초롬돋움" panose="020B0604000101010101" pitchFamily="50" charset="-127"/>
+              </a:rPr>
+              <a:t>-&gt;</a:t>
+            </a:r>
+            <a:r>
+              <a:rPr lang="ko-KR" altLang="en-US" dirty="0" smtClean="0">
+                <a:latin typeface="함초롬돋움" panose="020B0604000101010101" pitchFamily="50" charset="-127"/>
+                <a:ea typeface="함초롬돋움" panose="020B0604000101010101" pitchFamily="50" charset="-127"/>
+                <a:cs typeface="함초롬돋움" panose="020B0604000101010101" pitchFamily="50" charset="-127"/>
+              </a:rPr>
+              <a:t> </a:t>
+            </a:r>
+            <a:r>
+              <a:rPr lang="en-US" altLang="ko-KR" dirty="0" smtClean="0">
+                <a:latin typeface="함초롬돋움" panose="020B0604000101010101" pitchFamily="50" charset="-127"/>
+                <a:ea typeface="함초롬돋움" panose="020B0604000101010101" pitchFamily="50" charset="-127"/>
+                <a:cs typeface="함초롬돋움" panose="020B0604000101010101" pitchFamily="50" charset="-127"/>
+              </a:rPr>
+              <a:t>JSON</a:t>
+            </a:r>
+            <a:r>
+              <a:rPr lang="ko-KR" altLang="en-US" dirty="0" smtClean="0">
+                <a:latin typeface="함초롬돋움" panose="020B0604000101010101" pitchFamily="50" charset="-127"/>
+                <a:ea typeface="함초롬돋움" panose="020B0604000101010101" pitchFamily="50" charset="-127"/>
+                <a:cs typeface="함초롬돋움" panose="020B0604000101010101" pitchFamily="50" charset="-127"/>
+              </a:rPr>
+              <a:t> 변환</a:t>
+            </a:r>
+            <a:endParaRPr lang="ko-KR" altLang="en-US" dirty="0">
+              <a:latin typeface="함초롬돋움" panose="020B0604000101010101" pitchFamily="50" charset="-127"/>
+              <a:ea typeface="함초롬돋움" panose="020B0604000101010101" pitchFamily="50" charset="-127"/>
+              <a:cs typeface="함초롬돋움" panose="020B0604000101010101" pitchFamily="50" charset="-127"/>
+            </a:endParaRPr>
+          </a:p>
+        </p:txBody>
+      </p:sp>
+      <p:pic>
+        <p:nvPicPr>
+          <p:cNvPr id="4" name="그림 3"/>
+          <p:cNvPicPr>
+            <a:picLocks noChangeAspect="1"/>
+          </p:cNvPicPr>
+          <p:nvPr/>
+        </p:nvPicPr>
+        <p:blipFill>
+          <a:blip r:embed="rId2"/>
+          <a:stretch>
+            <a:fillRect/>
+          </a:stretch>
+        </p:blipFill>
+        <p:spPr>
+          <a:xfrm>
+            <a:off x="968679" y="2942311"/>
+            <a:ext cx="4267200" cy="2476500"/>
+          </a:xfrm>
+          <a:prstGeom prst="rect">
+            <a:avLst/>
+          </a:prstGeom>
+        </p:spPr>
+      </p:pic>
+      <p:pic>
+        <p:nvPicPr>
+          <p:cNvPr id="5" name="그림 4"/>
+          <p:cNvPicPr>
+            <a:picLocks noChangeAspect="1"/>
+          </p:cNvPicPr>
+          <p:nvPr/>
+        </p:nvPicPr>
+        <p:blipFill>
+          <a:blip r:embed="rId3"/>
+          <a:stretch>
+            <a:fillRect/>
+          </a:stretch>
+        </p:blipFill>
+        <p:spPr>
+          <a:xfrm>
+            <a:off x="7070421" y="2210844"/>
+            <a:ext cx="4038600" cy="4114800"/>
+          </a:xfrm>
+          <a:prstGeom prst="rect">
+            <a:avLst/>
+          </a:prstGeom>
+        </p:spPr>
+      </p:pic>
+    </p:spTree>
+    <p:extLst>
+      <p:ext uri="{BB962C8B-B14F-4D97-AF65-F5344CB8AC3E}">
+        <p14:creationId xmlns:p14="http://schemas.microsoft.com/office/powerpoint/2010/main" val="2258771666"/>
+      </p:ext>
+    </p:extLst>
+  </p:cSld>
+  <p:clrMapOvr>
+    <a:masterClrMapping/>
+  </p:clrMapOvr>
+  <p:timing>
+    <p:tnLst>
+      <p:par>
+        <p:cTn id="1" dur="indefinite" restart="never" nodeType="tmRoot"/>
+      </p:par>
+    </p:tnLst>
+  </p:timing>
+</p:sld>
+</file>
+
+<file path=ppt/slides/slide26.xml><?xml version="1.0" encoding="utf-8"?>
+<p:sld xmlns:a="http://schemas.openxmlformats.org/drawingml/2006/main" xmlns:r="http://schemas.openxmlformats.org/officeDocument/2006/relationships" xmlns:p="http://schemas.openxmlformats.org/presentationml/2006/main">
+  <p:cSld>
+    <p:spTree>
+      <p:nvGrpSpPr>
+        <p:cNvPr id="1" name=""/>
+        <p:cNvGrpSpPr/>
+        <p:nvPr/>
+      </p:nvGrpSpPr>
+      <p:grpSpPr>
+        <a:xfrm>
+          <a:off x="0" y="0"/>
+          <a:ext cx="0" cy="0"/>
+          <a:chOff x="0" y="0"/>
+          <a:chExt cx="0" cy="0"/>
+        </a:xfrm>
+      </p:grpSpPr>
+      <p:sp>
+        <p:nvSpPr>
+          <p:cNvPr id="7" name="제목 1"/>
+          <p:cNvSpPr txBox="1">
+            <a:spLocks/>
+          </p:cNvSpPr>
+          <p:nvPr/>
+        </p:nvSpPr>
+        <p:spPr>
+          <a:xfrm>
+            <a:off x="838200" y="365125"/>
+            <a:ext cx="10515600" cy="1090189"/>
+          </a:xfrm>
+          <a:prstGeom prst="rect">
+            <a:avLst/>
+          </a:prstGeom>
+        </p:spPr>
+        <p:txBody>
+          <a:bodyPr vert="horz" lIns="91440" tIns="45720" rIns="91440" bIns="45720" rtlCol="0" anchor="ctr">
+            <a:normAutofit/>
+          </a:bodyPr>
+          <a:lstStyle>
+            <a:lvl1pPr algn="l" defTabSz="914400" rtl="0" eaLnBrk="1" latinLnBrk="1" hangingPunct="1">
+              <a:lnSpc>
+                <a:spcPct val="90000"/>
+              </a:lnSpc>
+              <a:spcBef>
+                <a:spcPct val="0"/>
+              </a:spcBef>
+              <a:buNone/>
+              <a:defRPr sz="4800" kern="1200">
+                <a:solidFill>
+                  <a:schemeClr val="accent4"/>
+                </a:solidFill>
+                <a:latin typeface="+mj-lt"/>
+                <a:ea typeface="+mj-ea"/>
+                <a:cs typeface="+mj-cs"/>
+              </a:defRPr>
+            </a:lvl1pPr>
+          </a:lstStyle>
+          <a:p>
+            <a:r>
+              <a:rPr lang="en-US" altLang="ko-KR" dirty="0" smtClean="0">
+                <a:latin typeface="함초롬돋움" panose="020B0604000101010101" pitchFamily="50" charset="-127"/>
+                <a:ea typeface="함초롬돋움" panose="020B0604000101010101" pitchFamily="50" charset="-127"/>
+                <a:cs typeface="함초롬돋움" panose="020B0604000101010101" pitchFamily="50" charset="-127"/>
+              </a:rPr>
+              <a:t>XML</a:t>
+            </a:r>
+            <a:r>
+              <a:rPr lang="ko-KR" altLang="en-US" dirty="0" smtClean="0">
+                <a:latin typeface="함초롬돋움" panose="020B0604000101010101" pitchFamily="50" charset="-127"/>
+                <a:ea typeface="함초롬돋움" panose="020B0604000101010101" pitchFamily="50" charset="-127"/>
+                <a:cs typeface="함초롬돋움" panose="020B0604000101010101" pitchFamily="50" charset="-127"/>
+              </a:rPr>
+              <a:t>의 특정 값을 </a:t>
+            </a:r>
+            <a:r>
+              <a:rPr lang="en-US" altLang="ko-KR" dirty="0" err="1" smtClean="0">
+                <a:latin typeface="함초롬돋움" panose="020B0604000101010101" pitchFamily="50" charset="-127"/>
+                <a:ea typeface="함초롬돋움" panose="020B0604000101010101" pitchFamily="50" charset="-127"/>
+                <a:cs typeface="함초롬돋움" panose="020B0604000101010101" pitchFamily="50" charset="-127"/>
+              </a:rPr>
+              <a:t>JSONArray</a:t>
+            </a:r>
+            <a:r>
+              <a:rPr lang="ko-KR" altLang="en-US" dirty="0" smtClean="0">
+                <a:latin typeface="함초롬돋움" panose="020B0604000101010101" pitchFamily="50" charset="-127"/>
+                <a:ea typeface="함초롬돋움" panose="020B0604000101010101" pitchFamily="50" charset="-127"/>
+                <a:cs typeface="함초롬돋움" panose="020B0604000101010101" pitchFamily="50" charset="-127"/>
+              </a:rPr>
+              <a:t>로 변환</a:t>
+            </a:r>
+            <a:endParaRPr lang="ko-KR" altLang="en-US" dirty="0">
+              <a:latin typeface="함초롬돋움" panose="020B0604000101010101" pitchFamily="50" charset="-127"/>
+              <a:ea typeface="함초롬돋움" panose="020B0604000101010101" pitchFamily="50" charset="-127"/>
+              <a:cs typeface="함초롬돋움" panose="020B0604000101010101" pitchFamily="50" charset="-127"/>
+            </a:endParaRPr>
+          </a:p>
+        </p:txBody>
+      </p:sp>
+      <p:pic>
+        <p:nvPicPr>
+          <p:cNvPr id="3" name="그림 2"/>
+          <p:cNvPicPr>
+            <a:picLocks noChangeAspect="1"/>
+          </p:cNvPicPr>
+          <p:nvPr/>
+        </p:nvPicPr>
+        <p:blipFill>
+          <a:blip r:embed="rId2"/>
+          <a:stretch>
+            <a:fillRect/>
+          </a:stretch>
+        </p:blipFill>
+        <p:spPr>
+          <a:xfrm>
+            <a:off x="2947987" y="2402061"/>
+            <a:ext cx="6296025" cy="3857625"/>
+          </a:xfrm>
+          <a:prstGeom prst="rect">
+            <a:avLst/>
+          </a:prstGeom>
+        </p:spPr>
+      </p:pic>
+    </p:spTree>
+    <p:extLst>
+      <p:ext uri="{BB962C8B-B14F-4D97-AF65-F5344CB8AC3E}">
+        <p14:creationId xmlns:p14="http://schemas.microsoft.com/office/powerpoint/2010/main" val="2296381697"/>
+      </p:ext>
+    </p:extLst>
+  </p:cSld>
+  <p:clrMapOvr>
+    <a:masterClrMapping/>
+  </p:clrMapOvr>
+  <p:timing>
+    <p:tnLst>
+      <p:par>
+        <p:cTn id="1" dur="indefinite" restart="never" nodeType="tmRoot"/>
+      </p:par>
+    </p:tnLst>
+  </p:timing>
+</p:sld>
+</file>
+
+<file path=ppt/slides/slide27.xml><?xml version="1.0" encoding="utf-8"?>
+<p:sld xmlns:a="http://schemas.openxmlformats.org/drawingml/2006/main" xmlns:r="http://schemas.openxmlformats.org/officeDocument/2006/relationships" xmlns:p="http://schemas.openxmlformats.org/presentationml/2006/main">
+  <p:cSld>
+    <p:spTree>
+      <p:nvGrpSpPr>
+        <p:cNvPr id="1" name=""/>
+        <p:cNvGrpSpPr/>
+        <p:nvPr/>
+      </p:nvGrpSpPr>
+      <p:grpSpPr>
+        <a:xfrm>
+          <a:off x="0" y="0"/>
+          <a:ext cx="0" cy="0"/>
+          <a:chOff x="0" y="0"/>
+          <a:chExt cx="0" cy="0"/>
+        </a:xfrm>
+      </p:grpSpPr>
+      <p:sp>
+        <p:nvSpPr>
+          <p:cNvPr id="7" name="제목 1"/>
+          <p:cNvSpPr txBox="1">
+            <a:spLocks/>
+          </p:cNvSpPr>
+          <p:nvPr/>
+        </p:nvSpPr>
+        <p:spPr>
+          <a:xfrm>
+            <a:off x="838200" y="365125"/>
+            <a:ext cx="10515600" cy="1090189"/>
+          </a:xfrm>
+          <a:prstGeom prst="rect">
+            <a:avLst/>
+          </a:prstGeom>
+        </p:spPr>
+        <p:txBody>
+          <a:bodyPr vert="horz" lIns="91440" tIns="45720" rIns="91440" bIns="45720" rtlCol="0" anchor="ctr">
+            <a:normAutofit/>
+          </a:bodyPr>
+          <a:lstStyle>
+            <a:lvl1pPr algn="l" defTabSz="914400" rtl="0" eaLnBrk="1" latinLnBrk="1" hangingPunct="1">
+              <a:lnSpc>
+                <a:spcPct val="90000"/>
+              </a:lnSpc>
+              <a:spcBef>
+                <a:spcPct val="0"/>
+              </a:spcBef>
+              <a:buNone/>
+              <a:defRPr sz="4800" kern="1200">
+                <a:solidFill>
+                  <a:schemeClr val="accent4"/>
+                </a:solidFill>
+                <a:latin typeface="+mj-lt"/>
+                <a:ea typeface="+mj-ea"/>
+                <a:cs typeface="+mj-cs"/>
+              </a:defRPr>
+            </a:lvl1pPr>
+          </a:lstStyle>
+          <a:p>
+            <a:r>
+              <a:rPr lang="en-US" altLang="ko-KR" dirty="0" smtClean="0">
+                <a:latin typeface="함초롬돋움" panose="020B0604000101010101" pitchFamily="50" charset="-127"/>
+                <a:ea typeface="함초롬돋움" panose="020B0604000101010101" pitchFamily="50" charset="-127"/>
+                <a:cs typeface="함초롬돋움" panose="020B0604000101010101" pitchFamily="50" charset="-127"/>
+              </a:rPr>
+              <a:t>JSON </a:t>
+            </a:r>
+            <a:r>
+              <a:rPr lang="ko-KR" altLang="en-US" dirty="0" smtClean="0">
+                <a:latin typeface="함초롬돋움" panose="020B0604000101010101" pitchFamily="50" charset="-127"/>
+                <a:ea typeface="함초롬돋움" panose="020B0604000101010101" pitchFamily="50" charset="-127"/>
+                <a:cs typeface="함초롬돋움" panose="020B0604000101010101" pitchFamily="50" charset="-127"/>
+              </a:rPr>
+              <a:t>읽기</a:t>
+            </a:r>
+            <a:endParaRPr lang="ko-KR" altLang="en-US" dirty="0">
+              <a:latin typeface="함초롬돋움" panose="020B0604000101010101" pitchFamily="50" charset="-127"/>
+              <a:ea typeface="함초롬돋움" panose="020B0604000101010101" pitchFamily="50" charset="-127"/>
+              <a:cs typeface="함초롬돋움" panose="020B0604000101010101" pitchFamily="50" charset="-127"/>
+            </a:endParaRPr>
+          </a:p>
+        </p:txBody>
+      </p:sp>
+      <p:pic>
+        <p:nvPicPr>
+          <p:cNvPr id="2" name="그림 1"/>
+          <p:cNvPicPr>
+            <a:picLocks noChangeAspect="1"/>
+          </p:cNvPicPr>
+          <p:nvPr/>
+        </p:nvPicPr>
+        <p:blipFill>
+          <a:blip r:embed="rId2"/>
+          <a:stretch>
+            <a:fillRect/>
+          </a:stretch>
+        </p:blipFill>
+        <p:spPr>
+          <a:xfrm>
+            <a:off x="1578142" y="2429070"/>
+            <a:ext cx="6629400" cy="4029075"/>
+          </a:xfrm>
+          <a:prstGeom prst="rect">
+            <a:avLst/>
+          </a:prstGeom>
+        </p:spPr>
+      </p:pic>
+      <p:pic>
+        <p:nvPicPr>
+          <p:cNvPr id="3" name="그림 2"/>
+          <p:cNvPicPr>
+            <a:picLocks noChangeAspect="1"/>
+          </p:cNvPicPr>
+          <p:nvPr/>
+        </p:nvPicPr>
+        <p:blipFill>
+          <a:blip r:embed="rId3"/>
+          <a:stretch>
+            <a:fillRect/>
+          </a:stretch>
+        </p:blipFill>
+        <p:spPr>
+          <a:xfrm>
+            <a:off x="7623258" y="2262187"/>
+            <a:ext cx="3971925" cy="2333625"/>
+          </a:xfrm>
+          <a:prstGeom prst="rect">
+            <a:avLst/>
+          </a:prstGeom>
+        </p:spPr>
+      </p:pic>
+    </p:spTree>
+    <p:extLst>
+      <p:ext uri="{BB962C8B-B14F-4D97-AF65-F5344CB8AC3E}">
+        <p14:creationId xmlns:p14="http://schemas.microsoft.com/office/powerpoint/2010/main" val="220281476"/>
+      </p:ext>
+    </p:extLst>
+  </p:cSld>
+  <p:clrMapOvr>
+    <a:masterClrMapping/>
+  </p:clrMapOvr>
+  <p:timing>
+    <p:tnLst>
+      <p:par>
+        <p:cTn id="1" dur="indefinite" restart="never" nodeType="tmRoot"/>
+      </p:par>
+    </p:tnLst>
+  </p:timing>
+</p:sld>
+</file>
+
+<file path=ppt/slides/slide28.xml><?xml version="1.0" encoding="utf-8"?>
+<p:sld xmlns:a="http://schemas.openxmlformats.org/drawingml/2006/main" xmlns:r="http://schemas.openxmlformats.org/officeDocument/2006/relationships" xmlns:p="http://schemas.openxmlformats.org/presentationml/2006/main">
+  <p:cSld>
+    <p:spTree>
+      <p:nvGrpSpPr>
+        <p:cNvPr id="1" name=""/>
+        <p:cNvGrpSpPr/>
+        <p:nvPr/>
+      </p:nvGrpSpPr>
+      <p:grpSpPr>
+        <a:xfrm>
+          <a:off x="0" y="0"/>
+          <a:ext cx="0" cy="0"/>
+          <a:chOff x="0" y="0"/>
+          <a:chExt cx="0" cy="0"/>
+        </a:xfrm>
+      </p:grpSpPr>
+      <p:sp>
+        <p:nvSpPr>
+          <p:cNvPr id="7" name="제목 1"/>
+          <p:cNvSpPr txBox="1">
+            <a:spLocks/>
+          </p:cNvSpPr>
+          <p:nvPr/>
+        </p:nvSpPr>
+        <p:spPr>
+          <a:xfrm>
+            <a:off x="838200" y="365125"/>
+            <a:ext cx="10515600" cy="1090189"/>
+          </a:xfrm>
+          <a:prstGeom prst="rect">
+            <a:avLst/>
+          </a:prstGeom>
+        </p:spPr>
+        <p:txBody>
+          <a:bodyPr vert="horz" lIns="91440" tIns="45720" rIns="91440" bIns="45720" rtlCol="0" anchor="ctr">
+            <a:normAutofit/>
+          </a:bodyPr>
+          <a:lstStyle>
+            <a:lvl1pPr algn="l" defTabSz="914400" rtl="0" eaLnBrk="1" latinLnBrk="1" hangingPunct="1">
+              <a:lnSpc>
+                <a:spcPct val="90000"/>
+              </a:lnSpc>
+              <a:spcBef>
+                <a:spcPct val="0"/>
+              </a:spcBef>
+              <a:buNone/>
+              <a:defRPr sz="4800" kern="1200">
+                <a:solidFill>
+                  <a:schemeClr val="accent4"/>
+                </a:solidFill>
+                <a:latin typeface="+mj-lt"/>
+                <a:ea typeface="+mj-ea"/>
+                <a:cs typeface="+mj-cs"/>
+              </a:defRPr>
+            </a:lvl1pPr>
+          </a:lstStyle>
+          <a:p>
+            <a:r>
+              <a:rPr lang="en-US" altLang="ko-KR" dirty="0" smtClean="0">
+                <a:latin typeface="함초롬돋움" panose="020B0604000101010101" pitchFamily="50" charset="-127"/>
+                <a:ea typeface="함초롬돋움" panose="020B0604000101010101" pitchFamily="50" charset="-127"/>
+                <a:cs typeface="함초롬돋움" panose="020B0604000101010101" pitchFamily="50" charset="-127"/>
+              </a:rPr>
               <a:t>JSON </a:t>
             </a:r>
             <a:r>
@@ -5483,7 +6046,7 @@
 </p:sld>
 </file>
 
-<file path=ppt/slides/slide25.xml><?xml version="1.0" encoding="utf-8"?>
+<file path=ppt/slides/slide29.xml><?xml version="1.0" encoding="utf-8"?>
 <p:sld xmlns:a="http://schemas.openxmlformats.org/drawingml/2006/main" xmlns:r="http://schemas.openxmlformats.org/officeDocument/2006/relationships" xmlns:p="http://schemas.openxmlformats.org/presentationml/2006/main">
   <p:cSld>
     <p:spTree>
@@ -6461,15 +7024,7 @@
                 <a:ea typeface="함초롬돋움" panose="020B0604000101010101" pitchFamily="50" charset="-127"/>
                 <a:cs typeface="함초롬돋움" panose="020B0604000101010101" pitchFamily="50" charset="-127"/>
               </a:rPr>
-              <a:t>Collection -&gt; </a:t>
-            </a:r>
-            <a:r>
-              <a:rPr lang="en-US" altLang="ko-KR" dirty="0" smtClean="0">
-                <a:latin typeface="함초롬돋움" panose="020B0604000101010101" pitchFamily="50" charset="-127"/>
-                <a:ea typeface="함초롬돋움" panose="020B0604000101010101" pitchFamily="50" charset="-127"/>
-                <a:cs typeface="함초롬돋움" panose="020B0604000101010101" pitchFamily="50" charset="-127"/>
-              </a:rPr>
-              <a:t>JSON Array </a:t>
+              <a:t>Collection -&gt; JSON Array </a:t>
             </a:r>
             <a:r>
               <a:rPr lang="ko-KR" altLang="en-US" dirty="0" smtClean="0">
@@ -6595,15 +7150,7 @@
                 <a:ea typeface="함초롬돋움" panose="020B0604000101010101" pitchFamily="50" charset="-127"/>
                 <a:cs typeface="함초롬돋움" panose="020B0604000101010101" pitchFamily="50" charset="-127"/>
               </a:rPr>
-              <a:t>JSON Array </a:t>
-            </a:r>
-            <a:r>
-              <a:rPr lang="en-US" altLang="ko-KR" dirty="0" smtClean="0">
-                <a:latin typeface="함초롬돋움" panose="020B0604000101010101" pitchFamily="50" charset="-127"/>
-                <a:ea typeface="함초롬돋움" panose="020B0604000101010101" pitchFamily="50" charset="-127"/>
-                <a:cs typeface="함초롬돋움" panose="020B0604000101010101" pitchFamily="50" charset="-127"/>
-              </a:rPr>
-              <a:t>-&gt; Collection </a:t>
+              <a:t>JSON Array -&gt; Collection </a:t>
             </a:r>
             <a:r>
               <a:rPr lang="ko-KR" altLang="en-US" dirty="0" smtClean="0">
